--- a/techtalk/CloudDNS-TechTalk-3-Technologies.pptx
+++ b/techtalk/CloudDNS-TechTalk-3-Technologies.pptx
@@ -238,7 +238,7 @@
             <a:fld id="{024717CF-9968-0D4D-9FC4-597B2E56B041}" type="datetimeFigureOut">
               <a:rPr lang="en-US" smtClean="0"/>
               <a:pPr/>
-              <a:t>10/24/11</a:t>
+              <a:t>10/25/11</a:t>
             </a:fld>
             <a:endParaRPr lang="en-US" dirty="0"/>
           </a:p>
@@ -406,7 +406,7 @@
             <a:fld id="{E59A0190-259B-884B-986E-E78E91DEEBF9}" type="datetimeFigureOut">
               <a:rPr lang="en-US" smtClean="0"/>
               <a:pPr/>
-              <a:t>10/24/11</a:t>
+              <a:t>10/25/11</a:t>
             </a:fld>
             <a:endParaRPr lang="en-US" dirty="0"/>
           </a:p>
@@ -5863,7 +5863,7 @@
         <p:spPr/>
         <p:txBody>
           <a:bodyPr>
-            <a:normAutofit/>
+            <a:normAutofit fontScale="85000" lnSpcReduction="20000"/>
           </a:bodyPr>
           <a:lstStyle/>
           <a:p>
@@ -5873,8 +5873,88 @@
             </a:pPr>
             <a:r>
               <a:rPr lang="en-US" dirty="0" smtClean="0"/>
-              <a:t>Apache CXF</a:t>
-            </a:r>
+              <a:t>Apache </a:t>
+            </a:r>
+            <a:r>
+              <a:rPr lang="en-US" dirty="0" smtClean="0"/>
+              <a:t>CXF</a:t>
+            </a:r>
+          </a:p>
+          <a:p>
+            <a:pPr marL="819150" lvl="1" indent="-457200">
+              <a:buFont typeface="Arial"/>
+              <a:buChar char="•"/>
+            </a:pPr>
+            <a:r>
+              <a:rPr lang="en-US" dirty="0" smtClean="0"/>
+              <a:t>Generation of Client for services from </a:t>
+            </a:r>
+            <a:r>
+              <a:rPr lang="en-US" dirty="0" err="1" smtClean="0"/>
+              <a:t>wadl</a:t>
+            </a:r>
+            <a:r>
+              <a:rPr lang="en-US" dirty="0" smtClean="0"/>
+              <a:t> or </a:t>
+            </a:r>
+            <a:r>
+              <a:rPr lang="en-US" dirty="0" err="1" smtClean="0"/>
+              <a:t>wsdl</a:t>
+            </a:r>
+            <a:endParaRPr lang="en-US" dirty="0" smtClean="0"/>
+          </a:p>
+          <a:p>
+            <a:pPr marL="819150" lvl="1" indent="-457200">
+              <a:buFont typeface="Arial"/>
+              <a:buChar char="•"/>
+            </a:pPr>
+            <a:r>
+              <a:rPr lang="en-US" dirty="0"/>
+              <a:t>Handled </a:t>
+            </a:r>
+            <a:r>
+              <a:rPr lang="en-US" dirty="0" err="1"/>
+              <a:t>ReSTful</a:t>
+            </a:r>
+            <a:r>
+              <a:rPr lang="en-US" dirty="0"/>
+              <a:t> calls; we focused on business </a:t>
+            </a:r>
+            <a:r>
+              <a:rPr lang="en-US" dirty="0" smtClean="0"/>
+              <a:t>logic</a:t>
+            </a:r>
+          </a:p>
+          <a:p>
+            <a:pPr marL="819150" lvl="1" indent="-457200">
+              <a:buFont typeface="Arial"/>
+              <a:buChar char="•"/>
+            </a:pPr>
+            <a:r>
+              <a:rPr lang="en-US" dirty="0" smtClean="0"/>
+              <a:t>Content negotiation</a:t>
+            </a:r>
+          </a:p>
+          <a:p>
+            <a:pPr marL="819150" lvl="1" indent="-457200">
+              <a:buFont typeface="Arial"/>
+              <a:buChar char="•"/>
+            </a:pPr>
+            <a:r>
+              <a:rPr lang="en-US" dirty="0" smtClean="0"/>
+              <a:t>(De) Serialization</a:t>
+            </a:r>
+          </a:p>
+          <a:p>
+            <a:pPr marL="819150" lvl="1" indent="-457200">
+              <a:buFont typeface="Arial"/>
+              <a:buChar char="•"/>
+            </a:pPr>
+            <a:r>
+              <a:rPr lang="en-US" dirty="0" smtClean="0"/>
+              <a:t>Some input validation</a:t>
+            </a:r>
+            <a:endParaRPr lang="en-US" dirty="0" smtClean="0"/>
           </a:p>
           <a:p>
             <a:pPr marL="457200" indent="-457200">

--- a/techtalk/CloudDNS-TechTalk-3-Technologies.pptx
+++ b/techtalk/CloudDNS-TechTalk-3-Technologies.pptx
@@ -5863,7 +5863,7 @@
         <p:spPr/>
         <p:txBody>
           <a:bodyPr>
-            <a:normAutofit fontScale="85000" lnSpcReduction="20000"/>
+            <a:normAutofit fontScale="55000" lnSpcReduction="20000"/>
           </a:bodyPr>
           <a:lstStyle/>
           <a:p>
@@ -5973,6 +5973,57 @@
               <a:rPr lang="en-US" dirty="0" smtClean="0"/>
               <a:t>)</a:t>
             </a:r>
+          </a:p>
+          <a:p>
+            <a:pPr marL="819150" lvl="1" indent="-457200">
+              <a:buFont typeface="Arial"/>
+              <a:buChar char="•"/>
+            </a:pPr>
+            <a:r>
+              <a:rPr lang="en-US" dirty="0" err="1" smtClean="0"/>
+              <a:t>Classpath</a:t>
+            </a:r>
+            <a:r>
+              <a:rPr lang="en-US" dirty="0" smtClean="0"/>
+              <a:t> resolution and class loading (</a:t>
+            </a:r>
+            <a:r>
+              <a:rPr lang="en-US" dirty="0" err="1" smtClean="0"/>
+              <a:t>osgi</a:t>
+            </a:r>
+            <a:r>
+              <a:rPr lang="en-US" dirty="0" smtClean="0"/>
+              <a:t>)</a:t>
+            </a:r>
+          </a:p>
+          <a:p>
+            <a:pPr marL="819150" lvl="1" indent="-457200">
+              <a:buFont typeface="Arial"/>
+              <a:buChar char="•"/>
+            </a:pPr>
+            <a:r>
+              <a:rPr lang="en-US" dirty="0" smtClean="0"/>
+              <a:t>Module re-use through </a:t>
+            </a:r>
+            <a:r>
+              <a:rPr lang="en-US" dirty="0"/>
+              <a:t>S</a:t>
+            </a:r>
+            <a:r>
+              <a:rPr lang="en-US" dirty="0" smtClean="0"/>
+              <a:t>ervice Registry</a:t>
+            </a:r>
+          </a:p>
+          <a:p>
+            <a:pPr marL="819150" lvl="1" indent="-457200">
+              <a:buFont typeface="Arial"/>
+              <a:buChar char="•"/>
+            </a:pPr>
+            <a:r>
+              <a:rPr lang="en-US" dirty="0" smtClean="0"/>
+              <a:t>(-VE)  Self-contained Integration tests are more challenging to implement than in JBI-based ServceMix3</a:t>
+            </a:r>
+            <a:endParaRPr lang="en-US" dirty="0" smtClean="0"/>
           </a:p>
           <a:p>
             <a:pPr marL="457200" indent="-457200">

--- a/techtalk/CloudDNS-TechTalk-3-Technologies.pptx
+++ b/techtalk/CloudDNS-TechTalk-3-Technologies.pptx
@@ -5863,7 +5863,7 @@
         <p:spPr/>
         <p:txBody>
           <a:bodyPr>
-            <a:normAutofit fontScale="55000" lnSpcReduction="20000"/>
+            <a:normAutofit fontScale="32500" lnSpcReduction="20000"/>
           </a:bodyPr>
           <a:lstStyle/>
           <a:p>
@@ -5873,11 +5873,7 @@
             </a:pPr>
             <a:r>
               <a:rPr lang="en-US" dirty="0" smtClean="0"/>
-              <a:t>Apache </a:t>
-            </a:r>
-            <a:r>
-              <a:rPr lang="en-US" dirty="0" smtClean="0"/>
-              <a:t>CXF</a:t>
+              <a:t>Apache CXF</a:t>
             </a:r>
           </a:p>
           <a:p>
@@ -5954,7 +5950,6 @@
               <a:rPr lang="en-US" dirty="0" smtClean="0"/>
               <a:t>Some input validation</a:t>
             </a:r>
-            <a:endParaRPr lang="en-US" dirty="0" smtClean="0"/>
           </a:p>
           <a:p>
             <a:pPr marL="457200" indent="-457200">
@@ -6023,7 +6018,6 @@
               <a:rPr lang="en-US" dirty="0" smtClean="0"/>
               <a:t>(-VE)  Self-contained Integration tests are more challenging to implement than in JBI-based ServceMix3</a:t>
             </a:r>
-            <a:endParaRPr lang="en-US" dirty="0" smtClean="0"/>
           </a:p>
           <a:p>
             <a:pPr marL="457200" indent="-457200">
@@ -6036,6 +6030,25 @@
             </a:r>
           </a:p>
           <a:p>
+            <a:pPr marL="819150" lvl="1" indent="-457200">
+              <a:buFont typeface="Arial"/>
+              <a:buChar char="•"/>
+            </a:pPr>
+            <a:r>
+              <a:rPr lang="en-US" dirty="0" smtClean="0"/>
+              <a:t>Facilitates composition of objects (</a:t>
+            </a:r>
+            <a:r>
+              <a:rPr lang="en-US" dirty="0" err="1" smtClean="0"/>
+              <a:t>IoC</a:t>
+            </a:r>
+            <a:r>
+              <a:rPr lang="en-US" dirty="0" smtClean="0"/>
+              <a:t> injection)</a:t>
+            </a:r>
+            <a:endParaRPr lang="en-US" dirty="0" smtClean="0"/>
+          </a:p>
+          <a:p>
             <a:pPr marL="457200" indent="-457200">
               <a:buFont typeface="Arial"/>
               <a:buChar char="•"/>
@@ -6046,6 +6059,84 @@
             </a:r>
           </a:p>
           <a:p>
+            <a:pPr marL="819150" lvl="1" indent="-457200">
+              <a:buFont typeface="Arial"/>
+              <a:buChar char="•"/>
+            </a:pPr>
+            <a:r>
+              <a:rPr lang="en-US" dirty="0" smtClean="0"/>
+              <a:t>Facilitates mapping objects across application layers</a:t>
+            </a:r>
+          </a:p>
+          <a:p>
+            <a:pPr marL="819150" lvl="1" indent="-457200">
+              <a:buFont typeface="Arial"/>
+              <a:buChar char="•"/>
+            </a:pPr>
+            <a:r>
+              <a:rPr lang="en-US" dirty="0" smtClean="0"/>
+              <a:t>(-VE) Dozer does not yet always play with </a:t>
+            </a:r>
+            <a:r>
+              <a:rPr lang="en-US" dirty="0" err="1" smtClean="0"/>
+              <a:t>osgi</a:t>
+            </a:r>
+            <a:r>
+              <a:rPr lang="en-US" dirty="0" smtClean="0"/>
+              <a:t> class loading; sometimes fails to see mapping file on </a:t>
+            </a:r>
+            <a:r>
+              <a:rPr lang="en-US" dirty="0" err="1" smtClean="0"/>
+              <a:t>classpath</a:t>
+            </a:r>
+            <a:endParaRPr lang="en-US" dirty="0" smtClean="0"/>
+          </a:p>
+          <a:p>
+            <a:pPr marL="1676400" lvl="3" indent="-457200">
+              <a:buFont typeface="Arial"/>
+              <a:buChar char="•"/>
+            </a:pPr>
+            <a:r>
+              <a:rPr lang="en-US" dirty="0" smtClean="0"/>
+              <a:t>Resolved with </a:t>
+            </a:r>
+            <a:r>
+              <a:rPr lang="en-US" i="1" dirty="0" err="1" smtClean="0"/>
+              <a:t>Thread.currentThread.setContextClassloader</a:t>
+            </a:r>
+            <a:r>
+              <a:rPr lang="en-US" i="1" dirty="0" smtClean="0"/>
+              <a:t>(</a:t>
+            </a:r>
+            <a:r>
+              <a:rPr lang="en-US" i="1" dirty="0" err="1" smtClean="0"/>
+              <a:t>get.Class</a:t>
+            </a:r>
+            <a:r>
+              <a:rPr lang="en-US" i="1" dirty="0" smtClean="0"/>
+              <a:t>().</a:t>
+            </a:r>
+            <a:r>
+              <a:rPr lang="en-US" i="1" dirty="0" err="1" smtClean="0"/>
+              <a:t>getClassloader</a:t>
+            </a:r>
+            <a:r>
+              <a:rPr lang="en-US" i="1" dirty="0" smtClean="0"/>
+              <a:t>()); </a:t>
+            </a:r>
+          </a:p>
+          <a:p>
+            <a:pPr marL="1676400" lvl="3" indent="-457200">
+              <a:buFont typeface="Arial"/>
+              <a:buChar char="•"/>
+            </a:pPr>
+            <a:r>
+              <a:rPr lang="en-US" dirty="0" smtClean="0"/>
+              <a:t>Dozer is fixing this issue</a:t>
+            </a:r>
+            <a:endParaRPr lang="en-US" dirty="0" smtClean="0"/>
+          </a:p>
+          <a:p>
             <a:pPr marL="457200" indent="-457200">
               <a:buFont typeface="Arial"/>
               <a:buChar char="•"/>
@@ -6056,8 +6147,23 @@
             </a:r>
             <a:r>
               <a:rPr lang="en-US" dirty="0" smtClean="0"/>
-              <a:t>/Spring</a:t>
-            </a:r>
+              <a:t>/</a:t>
+            </a:r>
+            <a:r>
+              <a:rPr lang="en-US" dirty="0" smtClean="0"/>
+              <a:t>Spring</a:t>
+            </a:r>
+          </a:p>
+          <a:p>
+            <a:pPr marL="819150" lvl="1" indent="-457200">
+              <a:buFont typeface="Arial"/>
+              <a:buChar char="•"/>
+            </a:pPr>
+            <a:r>
+              <a:rPr lang="en-US" dirty="0" smtClean="0"/>
+              <a:t>Helps with stubbing out external services for better unit testing</a:t>
+            </a:r>
+            <a:endParaRPr lang="en-US" dirty="0" smtClean="0"/>
           </a:p>
           <a:p>
             <a:pPr marL="457200" indent="-457200">
@@ -6065,12 +6171,19 @@
               <a:buChar char="•"/>
             </a:pPr>
             <a:r>
-              <a:rPr lang="en-US" dirty="0" err="1"/>
-              <a:t>e</a:t>
-            </a:r>
-            <a:r>
               <a:rPr lang="en-US" dirty="0" err="1" smtClean="0"/>
-              <a:t>hCache</a:t>
+              <a:t>ehCache</a:t>
+            </a:r>
+            <a:endParaRPr lang="en-US" dirty="0" smtClean="0"/>
+          </a:p>
+          <a:p>
+            <a:pPr marL="819150" lvl="1" indent="-457200">
+              <a:buFont typeface="Arial"/>
+              <a:buChar char="•"/>
+            </a:pPr>
+            <a:r>
+              <a:rPr lang="en-US" dirty="0" smtClean="0"/>
+              <a:t>For caching information from external services in order to improve performance</a:t>
             </a:r>
             <a:endParaRPr lang="en-US" dirty="0"/>
           </a:p>

--- a/techtalk/CloudDNS-TechTalk-3-Technologies.pptx
+++ b/techtalk/CloudDNS-TechTalk-3-Technologies.pptx
@@ -12,9 +12,9 @@
   </p:handoutMasterIdLst>
   <p:sldIdLst>
     <p:sldId id="280" r:id="rId5"/>
-    <p:sldId id="281" r:id="rId6"/>
-    <p:sldId id="298" r:id="rId7"/>
-    <p:sldId id="299" r:id="rId8"/>
+    <p:sldId id="300" r:id="rId6"/>
+    <p:sldId id="301" r:id="rId7"/>
+    <p:sldId id="302" r:id="rId8"/>
   </p:sldIdLst>
   <p:sldSz cx="9144000" cy="6858000" type="screen4x3"/>
   <p:notesSz cx="6858000" cy="9144000"/>
@@ -238,7 +238,7 @@
             <a:fld id="{024717CF-9968-0D4D-9FC4-597B2E56B041}" type="datetimeFigureOut">
               <a:rPr lang="en-US" smtClean="0"/>
               <a:pPr/>
-              <a:t>10/25/11</a:t>
+              <a:t>10/26/11</a:t>
             </a:fld>
             <a:endParaRPr lang="en-US" dirty="0"/>
           </a:p>
@@ -406,7 +406,7 @@
             <a:fld id="{E59A0190-259B-884B-986E-E78E91DEEBF9}" type="datetimeFigureOut">
               <a:rPr lang="en-US" smtClean="0"/>
               <a:pPr/>
-              <a:t>10/25/11</a:t>
+              <a:t>10/26/11</a:t>
             </a:fld>
             <a:endParaRPr lang="en-US" dirty="0"/>
           </a:p>
@@ -720,126 +720,6 @@
           <a:bodyPr/>
           <a:lstStyle/>
           <a:p>
-            <a:r>
-              <a:rPr lang="en-US" dirty="0" smtClean="0"/>
-              <a:t>During this presentation we will cover </a:t>
-            </a:r>
-          </a:p>
-          <a:p>
-            <a:endParaRPr lang="en-US" dirty="0" smtClean="0"/>
-          </a:p>
-          <a:p>
-            <a:pPr marL="457200" indent="-457200">
-              <a:buFont typeface="Arial"/>
-              <a:buChar char="•"/>
-            </a:pPr>
-            <a:r>
-              <a:rPr lang="en-US" dirty="0" smtClean="0"/>
-              <a:t>What is Cloud DNS?</a:t>
-            </a:r>
-          </a:p>
-          <a:p>
-            <a:pPr marL="457200" indent="-457200">
-              <a:buFont typeface="Arial"/>
-              <a:buChar char="•"/>
-            </a:pPr>
-            <a:endParaRPr lang="en-US" dirty="0" smtClean="0"/>
-          </a:p>
-          <a:p>
-            <a:pPr marL="457200" indent="-457200">
-              <a:buFont typeface="Arial"/>
-              <a:buChar char="•"/>
-            </a:pPr>
-            <a:r>
-              <a:rPr lang="en-US" dirty="0" smtClean="0"/>
-              <a:t>What new features and benefits are we offering customers?</a:t>
-            </a:r>
-          </a:p>
-          <a:p>
-            <a:pPr marL="457200" indent="-457200">
-              <a:buFont typeface="Arial"/>
-              <a:buChar char="•"/>
-            </a:pPr>
-            <a:endParaRPr lang="en-US" dirty="0" smtClean="0"/>
-          </a:p>
-          <a:p>
-            <a:pPr marL="457200" indent="-457200">
-              <a:buFont typeface="Arial"/>
-              <a:buChar char="•"/>
-            </a:pPr>
-            <a:r>
-              <a:rPr lang="en-US" dirty="0" smtClean="0"/>
-              <a:t>Who is this for?</a:t>
-            </a:r>
-          </a:p>
-          <a:p>
-            <a:pPr marL="457200" indent="-457200">
-              <a:buFont typeface="Arial"/>
-              <a:buChar char="•"/>
-            </a:pPr>
-            <a:endParaRPr lang="en-US" dirty="0" smtClean="0"/>
-          </a:p>
-          <a:p>
-            <a:pPr marL="457200" indent="-457200">
-              <a:buFont typeface="Arial"/>
-              <a:buChar char="•"/>
-            </a:pPr>
-            <a:r>
-              <a:rPr lang="en-US" dirty="0" smtClean="0"/>
-              <a:t>When does it launch?</a:t>
-            </a:r>
-          </a:p>
-          <a:p>
-            <a:pPr marL="457200" indent="-457200">
-              <a:buFont typeface="Arial"/>
-              <a:buChar char="•"/>
-            </a:pPr>
-            <a:endParaRPr lang="en-US" dirty="0" smtClean="0"/>
-          </a:p>
-          <a:p>
-            <a:pPr marL="457200" indent="-457200">
-              <a:buFont typeface="Arial"/>
-              <a:buChar char="•"/>
-            </a:pPr>
-            <a:r>
-              <a:rPr lang="en-US" dirty="0" smtClean="0"/>
-              <a:t>How much does it cost?</a:t>
-            </a:r>
-          </a:p>
-          <a:p>
-            <a:pPr marL="457200" indent="-457200">
-              <a:buFont typeface="Arial"/>
-              <a:buChar char="•"/>
-            </a:pPr>
-            <a:endParaRPr lang="en-US" dirty="0" smtClean="0"/>
-          </a:p>
-          <a:p>
-            <a:pPr marL="457200" indent="-457200">
-              <a:buFont typeface="Arial"/>
-              <a:buChar char="•"/>
-            </a:pPr>
-            <a:r>
-              <a:rPr lang="en-US" dirty="0" smtClean="0"/>
-              <a:t>How does my customer get it?</a:t>
-            </a:r>
-          </a:p>
-          <a:p>
-            <a:pPr marL="0" indent="0">
-              <a:buNone/>
-            </a:pPr>
-            <a:endParaRPr lang="en-US" dirty="0" smtClean="0"/>
-          </a:p>
-          <a:p>
-            <a:pPr marL="457200" indent="-457200">
-              <a:buFont typeface="Arial"/>
-              <a:buChar char="•"/>
-            </a:pPr>
-            <a:r>
-              <a:rPr lang="en-US" dirty="0" smtClean="0"/>
-              <a:t>Who do I contact for questions?</a:t>
-            </a:r>
-          </a:p>
-          <a:p>
             <a:endParaRPr lang="en-US" dirty="0"/>
           </a:p>
         </p:txBody>
@@ -925,551 +805,7 @@
           <a:bodyPr/>
           <a:lstStyle/>
           <a:p>
-            <a:r>
-              <a:rPr lang="en-US" sz="1200" kern="1200" dirty="0" smtClean="0">
-                <a:solidFill>
-                  <a:schemeClr val="tx1"/>
-                </a:solidFill>
-                <a:latin typeface="+mn-lt"/>
-                <a:ea typeface="+mn-ea"/>
-                <a:cs typeface="+mn-cs"/>
-              </a:rPr>
-              <a:t>The Domain Name System is essentially the phone</a:t>
-            </a:r>
-            <a:r>
-              <a:rPr lang="en-US" sz="1200" kern="1200" baseline="0" dirty="0" smtClean="0">
-                <a:solidFill>
-                  <a:schemeClr val="tx1"/>
-                </a:solidFill>
-                <a:latin typeface="+mn-lt"/>
-                <a:ea typeface="+mn-ea"/>
-                <a:cs typeface="+mn-cs"/>
-              </a:rPr>
-              <a:t>book for the internet.   It manages the relationships between IP address (the phone numbers), and domains (individuals and corporations).  </a:t>
-            </a:r>
-            <a:r>
-              <a:rPr lang="en-US" sz="1200" kern="1200" dirty="0" smtClean="0">
-                <a:solidFill>
-                  <a:schemeClr val="tx1"/>
-                </a:solidFill>
-                <a:latin typeface="+mn-lt"/>
-                <a:ea typeface="+mn-ea"/>
-                <a:cs typeface="+mn-cs"/>
-              </a:rPr>
-              <a:t>All domains and their components, such as mail servers, utilize DNS to resolve to the appropriate locations.</a:t>
-            </a:r>
-          </a:p>
-          <a:p>
-            <a:endParaRPr lang="en-US" sz="1200" kern="1200" dirty="0" smtClean="0">
-              <a:solidFill>
-                <a:schemeClr val="tx1"/>
-              </a:solidFill>
-              <a:latin typeface="+mn-lt"/>
-              <a:ea typeface="+mn-ea"/>
-              <a:cs typeface="+mn-cs"/>
-            </a:endParaRPr>
-          </a:p>
-          <a:p>
-            <a:pPr marL="171450" indent="-171450">
-              <a:buFont typeface="Arial"/>
-              <a:buChar char="•"/>
-            </a:pPr>
-            <a:r>
-              <a:rPr lang="en-US" sz="1200" b="1" kern="1200" dirty="0" smtClean="0">
-                <a:solidFill>
-                  <a:schemeClr val="tx1"/>
-                </a:solidFill>
-                <a:latin typeface="+mn-lt"/>
-                <a:ea typeface="+mn-ea"/>
-                <a:cs typeface="+mn-cs"/>
-              </a:rPr>
-              <a:t>Domians:</a:t>
-            </a:r>
-            <a:r>
-              <a:rPr lang="en-US" sz="1200" kern="1200" dirty="0" smtClean="0">
-                <a:solidFill>
-                  <a:schemeClr val="tx1"/>
-                </a:solidFill>
-                <a:latin typeface="+mn-lt"/>
-                <a:ea typeface="+mn-ea"/>
-                <a:cs typeface="+mn-cs"/>
-              </a:rPr>
-              <a:t> A domain is an entity/container of all DNS-related information containing one or more records.</a:t>
-            </a:r>
-          </a:p>
-          <a:p>
-            <a:pPr marL="171450" indent="-171450">
-              <a:buFont typeface="Arial"/>
-              <a:buChar char="•"/>
-            </a:pPr>
-            <a:r>
-              <a:rPr lang="en-US" sz="1200" b="1" kern="1200" dirty="0" smtClean="0">
-                <a:solidFill>
-                  <a:schemeClr val="tx1"/>
-                </a:solidFill>
-                <a:latin typeface="+mn-lt"/>
-                <a:ea typeface="+mn-ea"/>
-                <a:cs typeface="+mn-cs"/>
-              </a:rPr>
-              <a:t>Subdomians: </a:t>
-            </a:r>
-            <a:r>
-              <a:rPr lang="en-US" sz="1200" kern="1200" dirty="0" smtClean="0">
-                <a:solidFill>
-                  <a:schemeClr val="tx1"/>
-                </a:solidFill>
-                <a:latin typeface="+mn-lt"/>
-                <a:ea typeface="+mn-ea"/>
-                <a:cs typeface="+mn-cs"/>
-              </a:rPr>
-              <a:t>Subdomains are domains within a parent domain, and subdomains cannot be registered.</a:t>
-            </a:r>
-            <a:r>
-              <a:rPr lang="en-US" sz="1200" kern="1200" baseline="0" dirty="0" smtClean="0">
-                <a:solidFill>
-                  <a:schemeClr val="tx1"/>
-                </a:solidFill>
-                <a:latin typeface="+mn-lt"/>
-                <a:ea typeface="+mn-ea"/>
-                <a:cs typeface="+mn-cs"/>
-              </a:rPr>
-              <a:t> </a:t>
-            </a:r>
-            <a:r>
-              <a:rPr lang="en-US" sz="1200" kern="1200" dirty="0" smtClean="0">
-                <a:solidFill>
-                  <a:schemeClr val="tx1"/>
-                </a:solidFill>
-                <a:latin typeface="+mn-lt"/>
-                <a:ea typeface="+mn-ea"/>
-                <a:cs typeface="+mn-cs"/>
-              </a:rPr>
-              <a:t>Subdomains allow you to delegate domains. Subdomains can themselves have subdomains,</a:t>
-            </a:r>
-            <a:r>
-              <a:rPr lang="en-US" sz="1200" kern="1200" baseline="0" dirty="0" smtClean="0">
-                <a:solidFill>
-                  <a:schemeClr val="tx1"/>
-                </a:solidFill>
-                <a:latin typeface="+mn-lt"/>
-                <a:ea typeface="+mn-ea"/>
-                <a:cs typeface="+mn-cs"/>
-              </a:rPr>
-              <a:t> </a:t>
-            </a:r>
-            <a:r>
-              <a:rPr lang="en-US" sz="1200" kern="1200" dirty="0" smtClean="0">
-                <a:solidFill>
-                  <a:schemeClr val="tx1"/>
-                </a:solidFill>
-                <a:latin typeface="+mn-lt"/>
-                <a:ea typeface="+mn-ea"/>
-                <a:cs typeface="+mn-cs"/>
-              </a:rPr>
-              <a:t>so third-level, fourth-level, fifth-level, and deeper levels of nesting are possible.</a:t>
-            </a:r>
-          </a:p>
-          <a:p>
-            <a:pPr marL="171450" indent="-171450">
-              <a:buFont typeface="Arial"/>
-              <a:buChar char="•"/>
-            </a:pPr>
-            <a:r>
-              <a:rPr lang="en-US" sz="1200" b="1" kern="1200" dirty="0" smtClean="0">
-                <a:solidFill>
-                  <a:schemeClr val="tx1"/>
-                </a:solidFill>
-                <a:latin typeface="+mn-lt"/>
-                <a:ea typeface="+mn-ea"/>
-                <a:cs typeface="+mn-cs"/>
-              </a:rPr>
-              <a:t>Records:</a:t>
-            </a:r>
-            <a:r>
-              <a:rPr lang="en-US" sz="1200" kern="1200" baseline="0" dirty="0" smtClean="0">
-                <a:solidFill>
-                  <a:schemeClr val="tx1"/>
-                </a:solidFill>
-                <a:latin typeface="+mn-lt"/>
-                <a:ea typeface="+mn-ea"/>
-                <a:cs typeface="+mn-cs"/>
-              </a:rPr>
-              <a:t> </a:t>
-            </a:r>
-            <a:r>
-              <a:rPr lang="en-US" sz="1200" kern="1200" dirty="0" smtClean="0">
-                <a:solidFill>
-                  <a:schemeClr val="tx1"/>
-                </a:solidFill>
-                <a:latin typeface="+mn-lt"/>
-                <a:ea typeface="+mn-ea"/>
-                <a:cs typeface="+mn-cs"/>
-              </a:rPr>
-              <a:t>A DNS record belongs to a particular domain and is used to specify information about the domain. There are several types of DNS records. Each record type contains particular information used to describe that record’s purpose. Examples include mail exchange (MX) records which specify the mail server for a particular domain and name server (NS) records which specify the authoritative name servers for a domain.</a:t>
-            </a:r>
-          </a:p>
-          <a:p>
-            <a:pPr marL="0" indent="0">
-              <a:buFont typeface="Arial"/>
-              <a:buNone/>
-            </a:pPr>
-            <a:endParaRPr lang="en-US" dirty="0" smtClean="0"/>
-          </a:p>
-          <a:p>
-            <a:pPr marL="0" indent="0">
-              <a:buFont typeface="Arial"/>
-              <a:buNone/>
-            </a:pPr>
-            <a:r>
-              <a:rPr lang="en-US" b="1" dirty="0" smtClean="0"/>
-              <a:t>Existing Rackspace</a:t>
-            </a:r>
-            <a:r>
-              <a:rPr lang="en-US" b="1" baseline="0" dirty="0" smtClean="0"/>
-              <a:t> </a:t>
-            </a:r>
-            <a:r>
-              <a:rPr lang="en-US" b="1" dirty="0" smtClean="0"/>
-              <a:t>DNS Infrastructure (Globally Distributed Anycast Network)</a:t>
-            </a:r>
-          </a:p>
-          <a:p>
-            <a:r>
-              <a:rPr lang="en-US" sz="1200" kern="1200" dirty="0" smtClean="0">
-                <a:solidFill>
-                  <a:schemeClr val="tx1"/>
-                </a:solidFill>
-                <a:latin typeface="+mn-lt"/>
-                <a:ea typeface="+mn-ea"/>
-                <a:cs typeface="+mn-cs"/>
-              </a:rPr>
-              <a:t>Rackspace currently has DNS servers located in Texas, Virginia, Chicago, Hong Kong and London.</a:t>
-            </a:r>
-            <a:r>
-              <a:rPr lang="en-US" sz="1200" kern="1200" baseline="0" dirty="0" smtClean="0">
-                <a:solidFill>
-                  <a:schemeClr val="tx1"/>
-                </a:solidFill>
-                <a:latin typeface="+mn-lt"/>
-                <a:ea typeface="+mn-ea"/>
-                <a:cs typeface="+mn-cs"/>
-              </a:rPr>
-              <a:t> </a:t>
-            </a:r>
-            <a:r>
-              <a:rPr lang="en-US" sz="1200" kern="1200" dirty="0" smtClean="0">
-                <a:solidFill>
-                  <a:schemeClr val="tx1"/>
-                </a:solidFill>
-                <a:latin typeface="+mn-lt"/>
-                <a:ea typeface="+mn-ea"/>
-                <a:cs typeface="+mn-cs"/>
-              </a:rPr>
-              <a:t>Within each datacenter, we have our nameservers split up so that</a:t>
-            </a:r>
-            <a:r>
-              <a:rPr lang="en-US" sz="1200" kern="1200" baseline="0" dirty="0" smtClean="0">
-                <a:solidFill>
-                  <a:schemeClr val="tx1"/>
-                </a:solidFill>
-                <a:latin typeface="+mn-lt"/>
-                <a:ea typeface="+mn-ea"/>
-                <a:cs typeface="+mn-cs"/>
-              </a:rPr>
-              <a:t> </a:t>
-            </a:r>
-            <a:r>
-              <a:rPr lang="en-US" sz="1200" kern="1200" dirty="0" smtClean="0">
-                <a:solidFill>
-                  <a:schemeClr val="tx1"/>
-                </a:solidFill>
-                <a:latin typeface="+mn-lt"/>
-                <a:ea typeface="+mn-ea"/>
-                <a:cs typeface="+mn-cs"/>
-              </a:rPr>
-              <a:t>we have no single point of failure</a:t>
-            </a:r>
-            <a:r>
-              <a:rPr lang="en-US" sz="1200" kern="1200" baseline="0" dirty="0" smtClean="0">
-                <a:solidFill>
-                  <a:schemeClr val="tx1"/>
-                </a:solidFill>
-                <a:latin typeface="+mn-lt"/>
-                <a:ea typeface="+mn-ea"/>
-                <a:cs typeface="+mn-cs"/>
-              </a:rPr>
-              <a:t> </a:t>
-            </a:r>
-            <a:r>
-              <a:rPr lang="en-US" sz="1200" kern="1200" dirty="0" smtClean="0">
-                <a:solidFill>
-                  <a:schemeClr val="tx1"/>
-                </a:solidFill>
-                <a:latin typeface="+mn-lt"/>
-                <a:ea typeface="+mn-ea"/>
-                <a:cs typeface="+mn-cs"/>
-              </a:rPr>
-              <a:t>in front of our DNS servers.</a:t>
-            </a:r>
-          </a:p>
-          <a:p>
-            <a:endParaRPr lang="en-US" sz="1200" kern="1200" dirty="0" smtClean="0">
-              <a:solidFill>
-                <a:schemeClr val="tx1"/>
-              </a:solidFill>
-              <a:latin typeface="+mn-lt"/>
-              <a:ea typeface="+mn-ea"/>
-              <a:cs typeface="+mn-cs"/>
-            </a:endParaRPr>
-          </a:p>
-          <a:p>
-            <a:r>
-              <a:rPr lang="en-US" sz="1200" kern="1200" dirty="0" smtClean="0">
-                <a:solidFill>
-                  <a:schemeClr val="tx1"/>
-                </a:solidFill>
-                <a:latin typeface="+mn-lt"/>
-                <a:ea typeface="+mn-ea"/>
-                <a:cs typeface="+mn-cs"/>
-              </a:rPr>
-              <a:t>Using anycast, we broadcast</a:t>
-            </a:r>
-            <a:r>
-              <a:rPr lang="en-US" sz="1200" kern="1200" baseline="0" dirty="0" smtClean="0">
-                <a:solidFill>
-                  <a:schemeClr val="tx1"/>
-                </a:solidFill>
-                <a:latin typeface="+mn-lt"/>
-                <a:ea typeface="+mn-ea"/>
-                <a:cs typeface="+mn-cs"/>
-              </a:rPr>
-              <a:t> </a:t>
-            </a:r>
-            <a:r>
-              <a:rPr lang="en-US" sz="1200" kern="1200" dirty="0" smtClean="0">
-                <a:solidFill>
-                  <a:schemeClr val="tx1"/>
-                </a:solidFill>
-                <a:latin typeface="+mn-lt"/>
-                <a:ea typeface="+mn-ea"/>
-                <a:cs typeface="+mn-cs"/>
-              </a:rPr>
-              <a:t>IP addresses</a:t>
-            </a:r>
-            <a:r>
-              <a:rPr lang="en-US" sz="1200" kern="1200" baseline="0" dirty="0" smtClean="0">
-                <a:solidFill>
-                  <a:schemeClr val="tx1"/>
-                </a:solidFill>
-                <a:latin typeface="+mn-lt"/>
-                <a:ea typeface="+mn-ea"/>
-                <a:cs typeface="+mn-cs"/>
-              </a:rPr>
-              <a:t> </a:t>
-            </a:r>
-            <a:r>
-              <a:rPr lang="en-US" sz="1200" kern="1200" dirty="0" smtClean="0">
-                <a:solidFill>
-                  <a:schemeClr val="tx1"/>
-                </a:solidFill>
-                <a:latin typeface="+mn-lt"/>
-                <a:ea typeface="+mn-ea"/>
-                <a:cs typeface="+mn-cs"/>
-              </a:rPr>
-              <a:t>from each location.  This gives us two advantages.</a:t>
-            </a:r>
-          </a:p>
-          <a:p>
-            <a:pPr marL="171450" indent="-171450">
-              <a:buFont typeface="Arial"/>
-              <a:buChar char="•"/>
-            </a:pPr>
-            <a:r>
-              <a:rPr lang="en-US" sz="1200" kern="1200" dirty="0" smtClean="0">
-                <a:solidFill>
-                  <a:schemeClr val="tx1"/>
-                </a:solidFill>
-                <a:latin typeface="+mn-lt"/>
-                <a:ea typeface="+mn-ea"/>
-                <a:cs typeface="+mn-cs"/>
-              </a:rPr>
-              <a:t>The DNS queries will generally go to the geographically closest</a:t>
-            </a:r>
-            <a:r>
-              <a:rPr lang="en-US" sz="1200" kern="1200" baseline="0" dirty="0" smtClean="0">
-                <a:solidFill>
-                  <a:schemeClr val="tx1"/>
-                </a:solidFill>
-                <a:latin typeface="+mn-lt"/>
-                <a:ea typeface="+mn-ea"/>
-                <a:cs typeface="+mn-cs"/>
-              </a:rPr>
-              <a:t> </a:t>
-            </a:r>
-            <a:r>
-              <a:rPr lang="en-US" sz="1200" kern="1200" dirty="0" smtClean="0">
-                <a:solidFill>
-                  <a:schemeClr val="tx1"/>
-                </a:solidFill>
-                <a:latin typeface="+mn-lt"/>
-                <a:ea typeface="+mn-ea"/>
-                <a:cs typeface="+mn-cs"/>
-              </a:rPr>
-              <a:t>nameservers.  This gives faster results no matter where the queries originate.  </a:t>
-            </a:r>
-          </a:p>
-          <a:p>
-            <a:pPr marL="171450" indent="-171450">
-              <a:buFont typeface="Arial"/>
-              <a:buChar char="•"/>
-            </a:pPr>
-            <a:r>
-              <a:rPr lang="en-US" sz="1200" kern="1200" dirty="0" smtClean="0">
-                <a:solidFill>
-                  <a:schemeClr val="tx1"/>
-                </a:solidFill>
-                <a:latin typeface="+mn-lt"/>
-                <a:ea typeface="+mn-ea"/>
-                <a:cs typeface="+mn-cs"/>
-              </a:rPr>
-              <a:t>If an entire datacenter were to fail, or even if</a:t>
-            </a:r>
-            <a:r>
-              <a:rPr lang="en-US" sz="1200" kern="1200" baseline="0" dirty="0" smtClean="0">
-                <a:solidFill>
-                  <a:schemeClr val="tx1"/>
-                </a:solidFill>
-                <a:latin typeface="+mn-lt"/>
-                <a:ea typeface="+mn-ea"/>
-                <a:cs typeface="+mn-cs"/>
-              </a:rPr>
-              <a:t> </a:t>
-            </a:r>
-            <a:r>
-              <a:rPr lang="en-US" sz="1200" kern="1200" dirty="0" smtClean="0">
-                <a:solidFill>
-                  <a:schemeClr val="tx1"/>
-                </a:solidFill>
-                <a:latin typeface="+mn-lt"/>
-                <a:ea typeface="+mn-ea"/>
-                <a:cs typeface="+mn-cs"/>
-              </a:rPr>
-              <a:t>all of the DNS servers within a specific datacenter were to fail, the</a:t>
-            </a:r>
-            <a:r>
-              <a:rPr lang="en-US" sz="1200" kern="1200" baseline="0" dirty="0" smtClean="0">
-                <a:solidFill>
-                  <a:schemeClr val="tx1"/>
-                </a:solidFill>
-                <a:latin typeface="+mn-lt"/>
-                <a:ea typeface="+mn-ea"/>
-                <a:cs typeface="+mn-cs"/>
-              </a:rPr>
-              <a:t> </a:t>
-            </a:r>
-            <a:r>
-              <a:rPr lang="en-US" sz="1200" kern="1200" dirty="0" smtClean="0">
-                <a:solidFill>
-                  <a:schemeClr val="tx1"/>
-                </a:solidFill>
-                <a:latin typeface="+mn-lt"/>
-                <a:ea typeface="+mn-ea"/>
-                <a:cs typeface="+mn-cs"/>
-              </a:rPr>
-              <a:t>DNS queries will automatically start going to the next best location.</a:t>
-            </a:r>
-          </a:p>
-          <a:p>
-            <a:pPr marL="0" indent="0">
-              <a:buFont typeface="Arial"/>
-              <a:buNone/>
-            </a:pPr>
-            <a:endParaRPr lang="en-US" sz="1200" kern="1200" dirty="0" smtClean="0">
-              <a:solidFill>
-                <a:schemeClr val="tx1"/>
-              </a:solidFill>
-              <a:latin typeface="+mn-lt"/>
-              <a:ea typeface="+mn-ea"/>
-              <a:cs typeface="+mn-cs"/>
-            </a:endParaRPr>
-          </a:p>
-          <a:p>
-            <a:r>
-              <a:rPr lang="en-US" sz="1200" kern="1200" dirty="0" smtClean="0">
-                <a:solidFill>
-                  <a:schemeClr val="tx1"/>
-                </a:solidFill>
-                <a:latin typeface="+mn-lt"/>
-                <a:ea typeface="+mn-ea"/>
-                <a:cs typeface="+mn-cs"/>
-              </a:rPr>
-              <a:t>All of our DNS servers are monitored 24/7, and we receive alerts in our</a:t>
-            </a:r>
-            <a:r>
-              <a:rPr lang="en-US" sz="1200" kern="1200" baseline="0" dirty="0" smtClean="0">
-                <a:solidFill>
-                  <a:schemeClr val="tx1"/>
-                </a:solidFill>
-                <a:latin typeface="+mn-lt"/>
-                <a:ea typeface="+mn-ea"/>
-                <a:cs typeface="+mn-cs"/>
-              </a:rPr>
-              <a:t> </a:t>
-            </a:r>
-            <a:r>
-              <a:rPr lang="en-US" sz="1200" kern="1200" dirty="0" smtClean="0">
-                <a:solidFill>
-                  <a:schemeClr val="tx1"/>
-                </a:solidFill>
-                <a:latin typeface="+mn-lt"/>
-                <a:ea typeface="+mn-ea"/>
-                <a:cs typeface="+mn-cs"/>
-              </a:rPr>
-              <a:t>email and on our phones if anything goes wrong.</a:t>
-            </a:r>
-          </a:p>
-          <a:p>
-            <a:pPr marL="0" indent="0">
-              <a:buFont typeface="Arial"/>
-              <a:buNone/>
-            </a:pPr>
-            <a:endParaRPr lang="en-US" sz="1200" kern="1200" dirty="0" smtClean="0">
-              <a:solidFill>
-                <a:schemeClr val="tx1"/>
-              </a:solidFill>
-              <a:latin typeface="+mn-lt"/>
-              <a:ea typeface="+mn-ea"/>
-              <a:cs typeface="+mn-cs"/>
-            </a:endParaRPr>
-          </a:p>
-          <a:p>
-            <a:pPr marL="0" indent="0">
-              <a:buFont typeface="Arial"/>
-              <a:buNone/>
-            </a:pPr>
-            <a:r>
-              <a:rPr lang="en-US" sz="1200" i="1" kern="1200" dirty="0" smtClean="0">
-                <a:solidFill>
-                  <a:schemeClr val="tx1"/>
-                </a:solidFill>
-                <a:latin typeface="+mn-lt"/>
-                <a:ea typeface="+mn-ea"/>
-                <a:cs typeface="+mn-cs"/>
-              </a:rPr>
-              <a:t>See Jason</a:t>
-            </a:r>
-            <a:r>
-              <a:rPr lang="en-US" sz="1200" i="1" kern="1200" baseline="0" dirty="0" smtClean="0">
-                <a:solidFill>
-                  <a:schemeClr val="tx1"/>
-                </a:solidFill>
-                <a:latin typeface="+mn-lt"/>
-                <a:ea typeface="+mn-ea"/>
-                <a:cs typeface="+mn-cs"/>
-              </a:rPr>
-              <a:t> Bratton for more information on our DNS infrastructure.</a:t>
-            </a:r>
-            <a:endParaRPr lang="en-US" i="1" dirty="0"/>
+            <a:endParaRPr lang="en-US" dirty="0"/>
           </a:p>
         </p:txBody>
       </p:sp>
@@ -1500,7 +836,7 @@
     </p:spTree>
     <p:extLst>
       <p:ext uri="{BB962C8B-B14F-4D97-AF65-F5344CB8AC3E}">
-        <p14:creationId xmlns:p14="http://schemas.microsoft.com/office/powerpoint/2010/main" val="2751694531"/>
+        <p14:creationId xmlns:p14="http://schemas.microsoft.com/office/powerpoint/2010/main" val="662730505"/>
       </p:ext>
     </p:extLst>
   </p:cSld>
@@ -1554,551 +890,7 @@
           <a:bodyPr/>
           <a:lstStyle/>
           <a:p>
-            <a:r>
-              <a:rPr lang="en-US" sz="1200" kern="1200" dirty="0" smtClean="0">
-                <a:solidFill>
-                  <a:schemeClr val="tx1"/>
-                </a:solidFill>
-                <a:latin typeface="+mn-lt"/>
-                <a:ea typeface="+mn-ea"/>
-                <a:cs typeface="+mn-cs"/>
-              </a:rPr>
-              <a:t>The Domain Name System is essentially the phone</a:t>
-            </a:r>
-            <a:r>
-              <a:rPr lang="en-US" sz="1200" kern="1200" baseline="0" dirty="0" smtClean="0">
-                <a:solidFill>
-                  <a:schemeClr val="tx1"/>
-                </a:solidFill>
-                <a:latin typeface="+mn-lt"/>
-                <a:ea typeface="+mn-ea"/>
-                <a:cs typeface="+mn-cs"/>
-              </a:rPr>
-              <a:t>book for the internet.   It manages the relationships between IP address (the phone numbers), and domains (individuals and corporations).  </a:t>
-            </a:r>
-            <a:r>
-              <a:rPr lang="en-US" sz="1200" kern="1200" dirty="0" smtClean="0">
-                <a:solidFill>
-                  <a:schemeClr val="tx1"/>
-                </a:solidFill>
-                <a:latin typeface="+mn-lt"/>
-                <a:ea typeface="+mn-ea"/>
-                <a:cs typeface="+mn-cs"/>
-              </a:rPr>
-              <a:t>All domains and their components, such as mail servers, utilize DNS to resolve to the appropriate locations.</a:t>
-            </a:r>
-          </a:p>
-          <a:p>
-            <a:endParaRPr lang="en-US" sz="1200" kern="1200" dirty="0" smtClean="0">
-              <a:solidFill>
-                <a:schemeClr val="tx1"/>
-              </a:solidFill>
-              <a:latin typeface="+mn-lt"/>
-              <a:ea typeface="+mn-ea"/>
-              <a:cs typeface="+mn-cs"/>
-            </a:endParaRPr>
-          </a:p>
-          <a:p>
-            <a:pPr marL="171450" indent="-171450">
-              <a:buFont typeface="Arial"/>
-              <a:buChar char="•"/>
-            </a:pPr>
-            <a:r>
-              <a:rPr lang="en-US" sz="1200" b="1" kern="1200" dirty="0" smtClean="0">
-                <a:solidFill>
-                  <a:schemeClr val="tx1"/>
-                </a:solidFill>
-                <a:latin typeface="+mn-lt"/>
-                <a:ea typeface="+mn-ea"/>
-                <a:cs typeface="+mn-cs"/>
-              </a:rPr>
-              <a:t>Domians:</a:t>
-            </a:r>
-            <a:r>
-              <a:rPr lang="en-US" sz="1200" kern="1200" dirty="0" smtClean="0">
-                <a:solidFill>
-                  <a:schemeClr val="tx1"/>
-                </a:solidFill>
-                <a:latin typeface="+mn-lt"/>
-                <a:ea typeface="+mn-ea"/>
-                <a:cs typeface="+mn-cs"/>
-              </a:rPr>
-              <a:t> A domain is an entity/container of all DNS-related information containing one or more records.</a:t>
-            </a:r>
-          </a:p>
-          <a:p>
-            <a:pPr marL="171450" indent="-171450">
-              <a:buFont typeface="Arial"/>
-              <a:buChar char="•"/>
-            </a:pPr>
-            <a:r>
-              <a:rPr lang="en-US" sz="1200" b="1" kern="1200" dirty="0" smtClean="0">
-                <a:solidFill>
-                  <a:schemeClr val="tx1"/>
-                </a:solidFill>
-                <a:latin typeface="+mn-lt"/>
-                <a:ea typeface="+mn-ea"/>
-                <a:cs typeface="+mn-cs"/>
-              </a:rPr>
-              <a:t>Subdomians: </a:t>
-            </a:r>
-            <a:r>
-              <a:rPr lang="en-US" sz="1200" kern="1200" dirty="0" smtClean="0">
-                <a:solidFill>
-                  <a:schemeClr val="tx1"/>
-                </a:solidFill>
-                <a:latin typeface="+mn-lt"/>
-                <a:ea typeface="+mn-ea"/>
-                <a:cs typeface="+mn-cs"/>
-              </a:rPr>
-              <a:t>Subdomains are domains within a parent domain, and subdomains cannot be registered.</a:t>
-            </a:r>
-            <a:r>
-              <a:rPr lang="en-US" sz="1200" kern="1200" baseline="0" dirty="0" smtClean="0">
-                <a:solidFill>
-                  <a:schemeClr val="tx1"/>
-                </a:solidFill>
-                <a:latin typeface="+mn-lt"/>
-                <a:ea typeface="+mn-ea"/>
-                <a:cs typeface="+mn-cs"/>
-              </a:rPr>
-              <a:t> </a:t>
-            </a:r>
-            <a:r>
-              <a:rPr lang="en-US" sz="1200" kern="1200" dirty="0" smtClean="0">
-                <a:solidFill>
-                  <a:schemeClr val="tx1"/>
-                </a:solidFill>
-                <a:latin typeface="+mn-lt"/>
-                <a:ea typeface="+mn-ea"/>
-                <a:cs typeface="+mn-cs"/>
-              </a:rPr>
-              <a:t>Subdomains allow you to delegate domains. Subdomains can themselves have subdomains,</a:t>
-            </a:r>
-            <a:r>
-              <a:rPr lang="en-US" sz="1200" kern="1200" baseline="0" dirty="0" smtClean="0">
-                <a:solidFill>
-                  <a:schemeClr val="tx1"/>
-                </a:solidFill>
-                <a:latin typeface="+mn-lt"/>
-                <a:ea typeface="+mn-ea"/>
-                <a:cs typeface="+mn-cs"/>
-              </a:rPr>
-              <a:t> </a:t>
-            </a:r>
-            <a:r>
-              <a:rPr lang="en-US" sz="1200" kern="1200" dirty="0" smtClean="0">
-                <a:solidFill>
-                  <a:schemeClr val="tx1"/>
-                </a:solidFill>
-                <a:latin typeface="+mn-lt"/>
-                <a:ea typeface="+mn-ea"/>
-                <a:cs typeface="+mn-cs"/>
-              </a:rPr>
-              <a:t>so third-level, fourth-level, fifth-level, and deeper levels of nesting are possible.</a:t>
-            </a:r>
-          </a:p>
-          <a:p>
-            <a:pPr marL="171450" indent="-171450">
-              <a:buFont typeface="Arial"/>
-              <a:buChar char="•"/>
-            </a:pPr>
-            <a:r>
-              <a:rPr lang="en-US" sz="1200" b="1" kern="1200" dirty="0" smtClean="0">
-                <a:solidFill>
-                  <a:schemeClr val="tx1"/>
-                </a:solidFill>
-                <a:latin typeface="+mn-lt"/>
-                <a:ea typeface="+mn-ea"/>
-                <a:cs typeface="+mn-cs"/>
-              </a:rPr>
-              <a:t>Records:</a:t>
-            </a:r>
-            <a:r>
-              <a:rPr lang="en-US" sz="1200" kern="1200" baseline="0" dirty="0" smtClean="0">
-                <a:solidFill>
-                  <a:schemeClr val="tx1"/>
-                </a:solidFill>
-                <a:latin typeface="+mn-lt"/>
-                <a:ea typeface="+mn-ea"/>
-                <a:cs typeface="+mn-cs"/>
-              </a:rPr>
-              <a:t> </a:t>
-            </a:r>
-            <a:r>
-              <a:rPr lang="en-US" sz="1200" kern="1200" dirty="0" smtClean="0">
-                <a:solidFill>
-                  <a:schemeClr val="tx1"/>
-                </a:solidFill>
-                <a:latin typeface="+mn-lt"/>
-                <a:ea typeface="+mn-ea"/>
-                <a:cs typeface="+mn-cs"/>
-              </a:rPr>
-              <a:t>A DNS record belongs to a particular domain and is used to specify information about the domain. There are several types of DNS records. Each record type contains particular information used to describe that record’s purpose. Examples include mail exchange (MX) records which specify the mail server for a particular domain and name server (NS) records which specify the authoritative name servers for a domain.</a:t>
-            </a:r>
-          </a:p>
-          <a:p>
-            <a:pPr marL="0" indent="0">
-              <a:buFont typeface="Arial"/>
-              <a:buNone/>
-            </a:pPr>
-            <a:endParaRPr lang="en-US" dirty="0" smtClean="0"/>
-          </a:p>
-          <a:p>
-            <a:pPr marL="0" indent="0">
-              <a:buFont typeface="Arial"/>
-              <a:buNone/>
-            </a:pPr>
-            <a:r>
-              <a:rPr lang="en-US" b="1" dirty="0" smtClean="0"/>
-              <a:t>Existing Rackspace</a:t>
-            </a:r>
-            <a:r>
-              <a:rPr lang="en-US" b="1" baseline="0" dirty="0" smtClean="0"/>
-              <a:t> </a:t>
-            </a:r>
-            <a:r>
-              <a:rPr lang="en-US" b="1" dirty="0" smtClean="0"/>
-              <a:t>DNS Infrastructure (Globally Distributed Anycast Network)</a:t>
-            </a:r>
-          </a:p>
-          <a:p>
-            <a:r>
-              <a:rPr lang="en-US" sz="1200" kern="1200" dirty="0" smtClean="0">
-                <a:solidFill>
-                  <a:schemeClr val="tx1"/>
-                </a:solidFill>
-                <a:latin typeface="+mn-lt"/>
-                <a:ea typeface="+mn-ea"/>
-                <a:cs typeface="+mn-cs"/>
-              </a:rPr>
-              <a:t>Rackspace currently has DNS servers located in Texas, Virginia, Chicago, Hong Kong and London.</a:t>
-            </a:r>
-            <a:r>
-              <a:rPr lang="en-US" sz="1200" kern="1200" baseline="0" dirty="0" smtClean="0">
-                <a:solidFill>
-                  <a:schemeClr val="tx1"/>
-                </a:solidFill>
-                <a:latin typeface="+mn-lt"/>
-                <a:ea typeface="+mn-ea"/>
-                <a:cs typeface="+mn-cs"/>
-              </a:rPr>
-              <a:t> </a:t>
-            </a:r>
-            <a:r>
-              <a:rPr lang="en-US" sz="1200" kern="1200" dirty="0" smtClean="0">
-                <a:solidFill>
-                  <a:schemeClr val="tx1"/>
-                </a:solidFill>
-                <a:latin typeface="+mn-lt"/>
-                <a:ea typeface="+mn-ea"/>
-                <a:cs typeface="+mn-cs"/>
-              </a:rPr>
-              <a:t>Within each datacenter, we have our nameservers split up so that</a:t>
-            </a:r>
-            <a:r>
-              <a:rPr lang="en-US" sz="1200" kern="1200" baseline="0" dirty="0" smtClean="0">
-                <a:solidFill>
-                  <a:schemeClr val="tx1"/>
-                </a:solidFill>
-                <a:latin typeface="+mn-lt"/>
-                <a:ea typeface="+mn-ea"/>
-                <a:cs typeface="+mn-cs"/>
-              </a:rPr>
-              <a:t> </a:t>
-            </a:r>
-            <a:r>
-              <a:rPr lang="en-US" sz="1200" kern="1200" dirty="0" smtClean="0">
-                <a:solidFill>
-                  <a:schemeClr val="tx1"/>
-                </a:solidFill>
-                <a:latin typeface="+mn-lt"/>
-                <a:ea typeface="+mn-ea"/>
-                <a:cs typeface="+mn-cs"/>
-              </a:rPr>
-              <a:t>we have no single point of failure</a:t>
-            </a:r>
-            <a:r>
-              <a:rPr lang="en-US" sz="1200" kern="1200" baseline="0" dirty="0" smtClean="0">
-                <a:solidFill>
-                  <a:schemeClr val="tx1"/>
-                </a:solidFill>
-                <a:latin typeface="+mn-lt"/>
-                <a:ea typeface="+mn-ea"/>
-                <a:cs typeface="+mn-cs"/>
-              </a:rPr>
-              <a:t> </a:t>
-            </a:r>
-            <a:r>
-              <a:rPr lang="en-US" sz="1200" kern="1200" dirty="0" smtClean="0">
-                <a:solidFill>
-                  <a:schemeClr val="tx1"/>
-                </a:solidFill>
-                <a:latin typeface="+mn-lt"/>
-                <a:ea typeface="+mn-ea"/>
-                <a:cs typeface="+mn-cs"/>
-              </a:rPr>
-              <a:t>in front of our DNS servers.</a:t>
-            </a:r>
-          </a:p>
-          <a:p>
-            <a:endParaRPr lang="en-US" sz="1200" kern="1200" dirty="0" smtClean="0">
-              <a:solidFill>
-                <a:schemeClr val="tx1"/>
-              </a:solidFill>
-              <a:latin typeface="+mn-lt"/>
-              <a:ea typeface="+mn-ea"/>
-              <a:cs typeface="+mn-cs"/>
-            </a:endParaRPr>
-          </a:p>
-          <a:p>
-            <a:r>
-              <a:rPr lang="en-US" sz="1200" kern="1200" dirty="0" smtClean="0">
-                <a:solidFill>
-                  <a:schemeClr val="tx1"/>
-                </a:solidFill>
-                <a:latin typeface="+mn-lt"/>
-                <a:ea typeface="+mn-ea"/>
-                <a:cs typeface="+mn-cs"/>
-              </a:rPr>
-              <a:t>Using anycast, we broadcast</a:t>
-            </a:r>
-            <a:r>
-              <a:rPr lang="en-US" sz="1200" kern="1200" baseline="0" dirty="0" smtClean="0">
-                <a:solidFill>
-                  <a:schemeClr val="tx1"/>
-                </a:solidFill>
-                <a:latin typeface="+mn-lt"/>
-                <a:ea typeface="+mn-ea"/>
-                <a:cs typeface="+mn-cs"/>
-              </a:rPr>
-              <a:t> </a:t>
-            </a:r>
-            <a:r>
-              <a:rPr lang="en-US" sz="1200" kern="1200" dirty="0" smtClean="0">
-                <a:solidFill>
-                  <a:schemeClr val="tx1"/>
-                </a:solidFill>
-                <a:latin typeface="+mn-lt"/>
-                <a:ea typeface="+mn-ea"/>
-                <a:cs typeface="+mn-cs"/>
-              </a:rPr>
-              <a:t>IP addresses</a:t>
-            </a:r>
-            <a:r>
-              <a:rPr lang="en-US" sz="1200" kern="1200" baseline="0" dirty="0" smtClean="0">
-                <a:solidFill>
-                  <a:schemeClr val="tx1"/>
-                </a:solidFill>
-                <a:latin typeface="+mn-lt"/>
-                <a:ea typeface="+mn-ea"/>
-                <a:cs typeface="+mn-cs"/>
-              </a:rPr>
-              <a:t> </a:t>
-            </a:r>
-            <a:r>
-              <a:rPr lang="en-US" sz="1200" kern="1200" dirty="0" smtClean="0">
-                <a:solidFill>
-                  <a:schemeClr val="tx1"/>
-                </a:solidFill>
-                <a:latin typeface="+mn-lt"/>
-                <a:ea typeface="+mn-ea"/>
-                <a:cs typeface="+mn-cs"/>
-              </a:rPr>
-              <a:t>from each location.  This gives us two advantages.</a:t>
-            </a:r>
-          </a:p>
-          <a:p>
-            <a:pPr marL="171450" indent="-171450">
-              <a:buFont typeface="Arial"/>
-              <a:buChar char="•"/>
-            </a:pPr>
-            <a:r>
-              <a:rPr lang="en-US" sz="1200" kern="1200" dirty="0" smtClean="0">
-                <a:solidFill>
-                  <a:schemeClr val="tx1"/>
-                </a:solidFill>
-                <a:latin typeface="+mn-lt"/>
-                <a:ea typeface="+mn-ea"/>
-                <a:cs typeface="+mn-cs"/>
-              </a:rPr>
-              <a:t>The DNS queries will generally go to the geographically closest</a:t>
-            </a:r>
-            <a:r>
-              <a:rPr lang="en-US" sz="1200" kern="1200" baseline="0" dirty="0" smtClean="0">
-                <a:solidFill>
-                  <a:schemeClr val="tx1"/>
-                </a:solidFill>
-                <a:latin typeface="+mn-lt"/>
-                <a:ea typeface="+mn-ea"/>
-                <a:cs typeface="+mn-cs"/>
-              </a:rPr>
-              <a:t> </a:t>
-            </a:r>
-            <a:r>
-              <a:rPr lang="en-US" sz="1200" kern="1200" dirty="0" smtClean="0">
-                <a:solidFill>
-                  <a:schemeClr val="tx1"/>
-                </a:solidFill>
-                <a:latin typeface="+mn-lt"/>
-                <a:ea typeface="+mn-ea"/>
-                <a:cs typeface="+mn-cs"/>
-              </a:rPr>
-              <a:t>nameservers.  This gives faster results no matter where the queries originate.  </a:t>
-            </a:r>
-          </a:p>
-          <a:p>
-            <a:pPr marL="171450" indent="-171450">
-              <a:buFont typeface="Arial"/>
-              <a:buChar char="•"/>
-            </a:pPr>
-            <a:r>
-              <a:rPr lang="en-US" sz="1200" kern="1200" dirty="0" smtClean="0">
-                <a:solidFill>
-                  <a:schemeClr val="tx1"/>
-                </a:solidFill>
-                <a:latin typeface="+mn-lt"/>
-                <a:ea typeface="+mn-ea"/>
-                <a:cs typeface="+mn-cs"/>
-              </a:rPr>
-              <a:t>If an entire datacenter were to fail, or even if</a:t>
-            </a:r>
-            <a:r>
-              <a:rPr lang="en-US" sz="1200" kern="1200" baseline="0" dirty="0" smtClean="0">
-                <a:solidFill>
-                  <a:schemeClr val="tx1"/>
-                </a:solidFill>
-                <a:latin typeface="+mn-lt"/>
-                <a:ea typeface="+mn-ea"/>
-                <a:cs typeface="+mn-cs"/>
-              </a:rPr>
-              <a:t> </a:t>
-            </a:r>
-            <a:r>
-              <a:rPr lang="en-US" sz="1200" kern="1200" dirty="0" smtClean="0">
-                <a:solidFill>
-                  <a:schemeClr val="tx1"/>
-                </a:solidFill>
-                <a:latin typeface="+mn-lt"/>
-                <a:ea typeface="+mn-ea"/>
-                <a:cs typeface="+mn-cs"/>
-              </a:rPr>
-              <a:t>all of the DNS servers within a specific datacenter were to fail, the</a:t>
-            </a:r>
-            <a:r>
-              <a:rPr lang="en-US" sz="1200" kern="1200" baseline="0" dirty="0" smtClean="0">
-                <a:solidFill>
-                  <a:schemeClr val="tx1"/>
-                </a:solidFill>
-                <a:latin typeface="+mn-lt"/>
-                <a:ea typeface="+mn-ea"/>
-                <a:cs typeface="+mn-cs"/>
-              </a:rPr>
-              <a:t> </a:t>
-            </a:r>
-            <a:r>
-              <a:rPr lang="en-US" sz="1200" kern="1200" dirty="0" smtClean="0">
-                <a:solidFill>
-                  <a:schemeClr val="tx1"/>
-                </a:solidFill>
-                <a:latin typeface="+mn-lt"/>
-                <a:ea typeface="+mn-ea"/>
-                <a:cs typeface="+mn-cs"/>
-              </a:rPr>
-              <a:t>DNS queries will automatically start going to the next best location.</a:t>
-            </a:r>
-          </a:p>
-          <a:p>
-            <a:pPr marL="0" indent="0">
-              <a:buFont typeface="Arial"/>
-              <a:buNone/>
-            </a:pPr>
-            <a:endParaRPr lang="en-US" sz="1200" kern="1200" dirty="0" smtClean="0">
-              <a:solidFill>
-                <a:schemeClr val="tx1"/>
-              </a:solidFill>
-              <a:latin typeface="+mn-lt"/>
-              <a:ea typeface="+mn-ea"/>
-              <a:cs typeface="+mn-cs"/>
-            </a:endParaRPr>
-          </a:p>
-          <a:p>
-            <a:r>
-              <a:rPr lang="en-US" sz="1200" kern="1200" dirty="0" smtClean="0">
-                <a:solidFill>
-                  <a:schemeClr val="tx1"/>
-                </a:solidFill>
-                <a:latin typeface="+mn-lt"/>
-                <a:ea typeface="+mn-ea"/>
-                <a:cs typeface="+mn-cs"/>
-              </a:rPr>
-              <a:t>All of our DNS servers are monitored 24/7, and we receive alerts in our</a:t>
-            </a:r>
-            <a:r>
-              <a:rPr lang="en-US" sz="1200" kern="1200" baseline="0" dirty="0" smtClean="0">
-                <a:solidFill>
-                  <a:schemeClr val="tx1"/>
-                </a:solidFill>
-                <a:latin typeface="+mn-lt"/>
-                <a:ea typeface="+mn-ea"/>
-                <a:cs typeface="+mn-cs"/>
-              </a:rPr>
-              <a:t> </a:t>
-            </a:r>
-            <a:r>
-              <a:rPr lang="en-US" sz="1200" kern="1200" dirty="0" smtClean="0">
-                <a:solidFill>
-                  <a:schemeClr val="tx1"/>
-                </a:solidFill>
-                <a:latin typeface="+mn-lt"/>
-                <a:ea typeface="+mn-ea"/>
-                <a:cs typeface="+mn-cs"/>
-              </a:rPr>
-              <a:t>email and on our phones if anything goes wrong.</a:t>
-            </a:r>
-          </a:p>
-          <a:p>
-            <a:pPr marL="0" indent="0">
-              <a:buFont typeface="Arial"/>
-              <a:buNone/>
-            </a:pPr>
-            <a:endParaRPr lang="en-US" sz="1200" kern="1200" dirty="0" smtClean="0">
-              <a:solidFill>
-                <a:schemeClr val="tx1"/>
-              </a:solidFill>
-              <a:latin typeface="+mn-lt"/>
-              <a:ea typeface="+mn-ea"/>
-              <a:cs typeface="+mn-cs"/>
-            </a:endParaRPr>
-          </a:p>
-          <a:p>
-            <a:pPr marL="0" indent="0">
-              <a:buFont typeface="Arial"/>
-              <a:buNone/>
-            </a:pPr>
-            <a:r>
-              <a:rPr lang="en-US" sz="1200" i="1" kern="1200" dirty="0" smtClean="0">
-                <a:solidFill>
-                  <a:schemeClr val="tx1"/>
-                </a:solidFill>
-                <a:latin typeface="+mn-lt"/>
-                <a:ea typeface="+mn-ea"/>
-                <a:cs typeface="+mn-cs"/>
-              </a:rPr>
-              <a:t>See Jason</a:t>
-            </a:r>
-            <a:r>
-              <a:rPr lang="en-US" sz="1200" i="1" kern="1200" baseline="0" dirty="0" smtClean="0">
-                <a:solidFill>
-                  <a:schemeClr val="tx1"/>
-                </a:solidFill>
-                <a:latin typeface="+mn-lt"/>
-                <a:ea typeface="+mn-ea"/>
-                <a:cs typeface="+mn-cs"/>
-              </a:rPr>
-              <a:t> Bratton for more information on our DNS infrastructure.</a:t>
-            </a:r>
-            <a:endParaRPr lang="en-US" i="1" dirty="0"/>
+            <a:endParaRPr lang="en-US" dirty="0"/>
           </a:p>
         </p:txBody>
       </p:sp>
@@ -2129,7 +921,7 @@
     </p:spTree>
     <p:extLst>
       <p:ext uri="{BB962C8B-B14F-4D97-AF65-F5344CB8AC3E}">
-        <p14:creationId xmlns:p14="http://schemas.microsoft.com/office/powerpoint/2010/main" val="2751694531"/>
+        <p14:creationId xmlns:p14="http://schemas.microsoft.com/office/powerpoint/2010/main" val="662730505"/>
       </p:ext>
     </p:extLst>
   </p:cSld>
@@ -2183,551 +975,7 @@
           <a:bodyPr/>
           <a:lstStyle/>
           <a:p>
-            <a:r>
-              <a:rPr lang="en-US" sz="1200" kern="1200" dirty="0" smtClean="0">
-                <a:solidFill>
-                  <a:schemeClr val="tx1"/>
-                </a:solidFill>
-                <a:latin typeface="+mn-lt"/>
-                <a:ea typeface="+mn-ea"/>
-                <a:cs typeface="+mn-cs"/>
-              </a:rPr>
-              <a:t>The Domain Name System is essentially the phone</a:t>
-            </a:r>
-            <a:r>
-              <a:rPr lang="en-US" sz="1200" kern="1200" baseline="0" dirty="0" smtClean="0">
-                <a:solidFill>
-                  <a:schemeClr val="tx1"/>
-                </a:solidFill>
-                <a:latin typeface="+mn-lt"/>
-                <a:ea typeface="+mn-ea"/>
-                <a:cs typeface="+mn-cs"/>
-              </a:rPr>
-              <a:t>book for the internet.   It manages the relationships between IP address (the phone numbers), and domains (individuals and corporations).  </a:t>
-            </a:r>
-            <a:r>
-              <a:rPr lang="en-US" sz="1200" kern="1200" dirty="0" smtClean="0">
-                <a:solidFill>
-                  <a:schemeClr val="tx1"/>
-                </a:solidFill>
-                <a:latin typeface="+mn-lt"/>
-                <a:ea typeface="+mn-ea"/>
-                <a:cs typeface="+mn-cs"/>
-              </a:rPr>
-              <a:t>All domains and their components, such as mail servers, utilize DNS to resolve to the appropriate locations.</a:t>
-            </a:r>
-          </a:p>
-          <a:p>
-            <a:endParaRPr lang="en-US" sz="1200" kern="1200" dirty="0" smtClean="0">
-              <a:solidFill>
-                <a:schemeClr val="tx1"/>
-              </a:solidFill>
-              <a:latin typeface="+mn-lt"/>
-              <a:ea typeface="+mn-ea"/>
-              <a:cs typeface="+mn-cs"/>
-            </a:endParaRPr>
-          </a:p>
-          <a:p>
-            <a:pPr marL="171450" indent="-171450">
-              <a:buFont typeface="Arial"/>
-              <a:buChar char="•"/>
-            </a:pPr>
-            <a:r>
-              <a:rPr lang="en-US" sz="1200" b="1" kern="1200" dirty="0" smtClean="0">
-                <a:solidFill>
-                  <a:schemeClr val="tx1"/>
-                </a:solidFill>
-                <a:latin typeface="+mn-lt"/>
-                <a:ea typeface="+mn-ea"/>
-                <a:cs typeface="+mn-cs"/>
-              </a:rPr>
-              <a:t>Domians:</a:t>
-            </a:r>
-            <a:r>
-              <a:rPr lang="en-US" sz="1200" kern="1200" dirty="0" smtClean="0">
-                <a:solidFill>
-                  <a:schemeClr val="tx1"/>
-                </a:solidFill>
-                <a:latin typeface="+mn-lt"/>
-                <a:ea typeface="+mn-ea"/>
-                <a:cs typeface="+mn-cs"/>
-              </a:rPr>
-              <a:t> A domain is an entity/container of all DNS-related information containing one or more records.</a:t>
-            </a:r>
-          </a:p>
-          <a:p>
-            <a:pPr marL="171450" indent="-171450">
-              <a:buFont typeface="Arial"/>
-              <a:buChar char="•"/>
-            </a:pPr>
-            <a:r>
-              <a:rPr lang="en-US" sz="1200" b="1" kern="1200" dirty="0" smtClean="0">
-                <a:solidFill>
-                  <a:schemeClr val="tx1"/>
-                </a:solidFill>
-                <a:latin typeface="+mn-lt"/>
-                <a:ea typeface="+mn-ea"/>
-                <a:cs typeface="+mn-cs"/>
-              </a:rPr>
-              <a:t>Subdomians: </a:t>
-            </a:r>
-            <a:r>
-              <a:rPr lang="en-US" sz="1200" kern="1200" dirty="0" smtClean="0">
-                <a:solidFill>
-                  <a:schemeClr val="tx1"/>
-                </a:solidFill>
-                <a:latin typeface="+mn-lt"/>
-                <a:ea typeface="+mn-ea"/>
-                <a:cs typeface="+mn-cs"/>
-              </a:rPr>
-              <a:t>Subdomains are domains within a parent domain, and subdomains cannot be registered.</a:t>
-            </a:r>
-            <a:r>
-              <a:rPr lang="en-US" sz="1200" kern="1200" baseline="0" dirty="0" smtClean="0">
-                <a:solidFill>
-                  <a:schemeClr val="tx1"/>
-                </a:solidFill>
-                <a:latin typeface="+mn-lt"/>
-                <a:ea typeface="+mn-ea"/>
-                <a:cs typeface="+mn-cs"/>
-              </a:rPr>
-              <a:t> </a:t>
-            </a:r>
-            <a:r>
-              <a:rPr lang="en-US" sz="1200" kern="1200" dirty="0" smtClean="0">
-                <a:solidFill>
-                  <a:schemeClr val="tx1"/>
-                </a:solidFill>
-                <a:latin typeface="+mn-lt"/>
-                <a:ea typeface="+mn-ea"/>
-                <a:cs typeface="+mn-cs"/>
-              </a:rPr>
-              <a:t>Subdomains allow you to delegate domains. Subdomains can themselves have subdomains,</a:t>
-            </a:r>
-            <a:r>
-              <a:rPr lang="en-US" sz="1200" kern="1200" baseline="0" dirty="0" smtClean="0">
-                <a:solidFill>
-                  <a:schemeClr val="tx1"/>
-                </a:solidFill>
-                <a:latin typeface="+mn-lt"/>
-                <a:ea typeface="+mn-ea"/>
-                <a:cs typeface="+mn-cs"/>
-              </a:rPr>
-              <a:t> </a:t>
-            </a:r>
-            <a:r>
-              <a:rPr lang="en-US" sz="1200" kern="1200" dirty="0" smtClean="0">
-                <a:solidFill>
-                  <a:schemeClr val="tx1"/>
-                </a:solidFill>
-                <a:latin typeface="+mn-lt"/>
-                <a:ea typeface="+mn-ea"/>
-                <a:cs typeface="+mn-cs"/>
-              </a:rPr>
-              <a:t>so third-level, fourth-level, fifth-level, and deeper levels of nesting are possible.</a:t>
-            </a:r>
-          </a:p>
-          <a:p>
-            <a:pPr marL="171450" indent="-171450">
-              <a:buFont typeface="Arial"/>
-              <a:buChar char="•"/>
-            </a:pPr>
-            <a:r>
-              <a:rPr lang="en-US" sz="1200" b="1" kern="1200" dirty="0" smtClean="0">
-                <a:solidFill>
-                  <a:schemeClr val="tx1"/>
-                </a:solidFill>
-                <a:latin typeface="+mn-lt"/>
-                <a:ea typeface="+mn-ea"/>
-                <a:cs typeface="+mn-cs"/>
-              </a:rPr>
-              <a:t>Records:</a:t>
-            </a:r>
-            <a:r>
-              <a:rPr lang="en-US" sz="1200" kern="1200" baseline="0" dirty="0" smtClean="0">
-                <a:solidFill>
-                  <a:schemeClr val="tx1"/>
-                </a:solidFill>
-                <a:latin typeface="+mn-lt"/>
-                <a:ea typeface="+mn-ea"/>
-                <a:cs typeface="+mn-cs"/>
-              </a:rPr>
-              <a:t> </a:t>
-            </a:r>
-            <a:r>
-              <a:rPr lang="en-US" sz="1200" kern="1200" dirty="0" smtClean="0">
-                <a:solidFill>
-                  <a:schemeClr val="tx1"/>
-                </a:solidFill>
-                <a:latin typeface="+mn-lt"/>
-                <a:ea typeface="+mn-ea"/>
-                <a:cs typeface="+mn-cs"/>
-              </a:rPr>
-              <a:t>A DNS record belongs to a particular domain and is used to specify information about the domain. There are several types of DNS records. Each record type contains particular information used to describe that record’s purpose. Examples include mail exchange (MX) records which specify the mail server for a particular domain and name server (NS) records which specify the authoritative name servers for a domain.</a:t>
-            </a:r>
-          </a:p>
-          <a:p>
-            <a:pPr marL="0" indent="0">
-              <a:buFont typeface="Arial"/>
-              <a:buNone/>
-            </a:pPr>
-            <a:endParaRPr lang="en-US" dirty="0" smtClean="0"/>
-          </a:p>
-          <a:p>
-            <a:pPr marL="0" indent="0">
-              <a:buFont typeface="Arial"/>
-              <a:buNone/>
-            </a:pPr>
-            <a:r>
-              <a:rPr lang="en-US" b="1" dirty="0" smtClean="0"/>
-              <a:t>Existing Rackspace</a:t>
-            </a:r>
-            <a:r>
-              <a:rPr lang="en-US" b="1" baseline="0" dirty="0" smtClean="0"/>
-              <a:t> </a:t>
-            </a:r>
-            <a:r>
-              <a:rPr lang="en-US" b="1" dirty="0" smtClean="0"/>
-              <a:t>DNS Infrastructure (Globally Distributed Anycast Network)</a:t>
-            </a:r>
-          </a:p>
-          <a:p>
-            <a:r>
-              <a:rPr lang="en-US" sz="1200" kern="1200" dirty="0" smtClean="0">
-                <a:solidFill>
-                  <a:schemeClr val="tx1"/>
-                </a:solidFill>
-                <a:latin typeface="+mn-lt"/>
-                <a:ea typeface="+mn-ea"/>
-                <a:cs typeface="+mn-cs"/>
-              </a:rPr>
-              <a:t>Rackspace currently has DNS servers located in Texas, Virginia, Chicago, Hong Kong and London.</a:t>
-            </a:r>
-            <a:r>
-              <a:rPr lang="en-US" sz="1200" kern="1200" baseline="0" dirty="0" smtClean="0">
-                <a:solidFill>
-                  <a:schemeClr val="tx1"/>
-                </a:solidFill>
-                <a:latin typeface="+mn-lt"/>
-                <a:ea typeface="+mn-ea"/>
-                <a:cs typeface="+mn-cs"/>
-              </a:rPr>
-              <a:t> </a:t>
-            </a:r>
-            <a:r>
-              <a:rPr lang="en-US" sz="1200" kern="1200" dirty="0" smtClean="0">
-                <a:solidFill>
-                  <a:schemeClr val="tx1"/>
-                </a:solidFill>
-                <a:latin typeface="+mn-lt"/>
-                <a:ea typeface="+mn-ea"/>
-                <a:cs typeface="+mn-cs"/>
-              </a:rPr>
-              <a:t>Within each datacenter, we have our nameservers split up so that</a:t>
-            </a:r>
-            <a:r>
-              <a:rPr lang="en-US" sz="1200" kern="1200" baseline="0" dirty="0" smtClean="0">
-                <a:solidFill>
-                  <a:schemeClr val="tx1"/>
-                </a:solidFill>
-                <a:latin typeface="+mn-lt"/>
-                <a:ea typeface="+mn-ea"/>
-                <a:cs typeface="+mn-cs"/>
-              </a:rPr>
-              <a:t> </a:t>
-            </a:r>
-            <a:r>
-              <a:rPr lang="en-US" sz="1200" kern="1200" dirty="0" smtClean="0">
-                <a:solidFill>
-                  <a:schemeClr val="tx1"/>
-                </a:solidFill>
-                <a:latin typeface="+mn-lt"/>
-                <a:ea typeface="+mn-ea"/>
-                <a:cs typeface="+mn-cs"/>
-              </a:rPr>
-              <a:t>we have no single point of failure</a:t>
-            </a:r>
-            <a:r>
-              <a:rPr lang="en-US" sz="1200" kern="1200" baseline="0" dirty="0" smtClean="0">
-                <a:solidFill>
-                  <a:schemeClr val="tx1"/>
-                </a:solidFill>
-                <a:latin typeface="+mn-lt"/>
-                <a:ea typeface="+mn-ea"/>
-                <a:cs typeface="+mn-cs"/>
-              </a:rPr>
-              <a:t> </a:t>
-            </a:r>
-            <a:r>
-              <a:rPr lang="en-US" sz="1200" kern="1200" dirty="0" smtClean="0">
-                <a:solidFill>
-                  <a:schemeClr val="tx1"/>
-                </a:solidFill>
-                <a:latin typeface="+mn-lt"/>
-                <a:ea typeface="+mn-ea"/>
-                <a:cs typeface="+mn-cs"/>
-              </a:rPr>
-              <a:t>in front of our DNS servers.</a:t>
-            </a:r>
-          </a:p>
-          <a:p>
-            <a:endParaRPr lang="en-US" sz="1200" kern="1200" dirty="0" smtClean="0">
-              <a:solidFill>
-                <a:schemeClr val="tx1"/>
-              </a:solidFill>
-              <a:latin typeface="+mn-lt"/>
-              <a:ea typeface="+mn-ea"/>
-              <a:cs typeface="+mn-cs"/>
-            </a:endParaRPr>
-          </a:p>
-          <a:p>
-            <a:r>
-              <a:rPr lang="en-US" sz="1200" kern="1200" dirty="0" smtClean="0">
-                <a:solidFill>
-                  <a:schemeClr val="tx1"/>
-                </a:solidFill>
-                <a:latin typeface="+mn-lt"/>
-                <a:ea typeface="+mn-ea"/>
-                <a:cs typeface="+mn-cs"/>
-              </a:rPr>
-              <a:t>Using anycast, we broadcast</a:t>
-            </a:r>
-            <a:r>
-              <a:rPr lang="en-US" sz="1200" kern="1200" baseline="0" dirty="0" smtClean="0">
-                <a:solidFill>
-                  <a:schemeClr val="tx1"/>
-                </a:solidFill>
-                <a:latin typeface="+mn-lt"/>
-                <a:ea typeface="+mn-ea"/>
-                <a:cs typeface="+mn-cs"/>
-              </a:rPr>
-              <a:t> </a:t>
-            </a:r>
-            <a:r>
-              <a:rPr lang="en-US" sz="1200" kern="1200" dirty="0" smtClean="0">
-                <a:solidFill>
-                  <a:schemeClr val="tx1"/>
-                </a:solidFill>
-                <a:latin typeface="+mn-lt"/>
-                <a:ea typeface="+mn-ea"/>
-                <a:cs typeface="+mn-cs"/>
-              </a:rPr>
-              <a:t>IP addresses</a:t>
-            </a:r>
-            <a:r>
-              <a:rPr lang="en-US" sz="1200" kern="1200" baseline="0" dirty="0" smtClean="0">
-                <a:solidFill>
-                  <a:schemeClr val="tx1"/>
-                </a:solidFill>
-                <a:latin typeface="+mn-lt"/>
-                <a:ea typeface="+mn-ea"/>
-                <a:cs typeface="+mn-cs"/>
-              </a:rPr>
-              <a:t> </a:t>
-            </a:r>
-            <a:r>
-              <a:rPr lang="en-US" sz="1200" kern="1200" dirty="0" smtClean="0">
-                <a:solidFill>
-                  <a:schemeClr val="tx1"/>
-                </a:solidFill>
-                <a:latin typeface="+mn-lt"/>
-                <a:ea typeface="+mn-ea"/>
-                <a:cs typeface="+mn-cs"/>
-              </a:rPr>
-              <a:t>from each location.  This gives us two advantages.</a:t>
-            </a:r>
-          </a:p>
-          <a:p>
-            <a:pPr marL="171450" indent="-171450">
-              <a:buFont typeface="Arial"/>
-              <a:buChar char="•"/>
-            </a:pPr>
-            <a:r>
-              <a:rPr lang="en-US" sz="1200" kern="1200" dirty="0" smtClean="0">
-                <a:solidFill>
-                  <a:schemeClr val="tx1"/>
-                </a:solidFill>
-                <a:latin typeface="+mn-lt"/>
-                <a:ea typeface="+mn-ea"/>
-                <a:cs typeface="+mn-cs"/>
-              </a:rPr>
-              <a:t>The DNS queries will generally go to the geographically closest</a:t>
-            </a:r>
-            <a:r>
-              <a:rPr lang="en-US" sz="1200" kern="1200" baseline="0" dirty="0" smtClean="0">
-                <a:solidFill>
-                  <a:schemeClr val="tx1"/>
-                </a:solidFill>
-                <a:latin typeface="+mn-lt"/>
-                <a:ea typeface="+mn-ea"/>
-                <a:cs typeface="+mn-cs"/>
-              </a:rPr>
-              <a:t> </a:t>
-            </a:r>
-            <a:r>
-              <a:rPr lang="en-US" sz="1200" kern="1200" dirty="0" smtClean="0">
-                <a:solidFill>
-                  <a:schemeClr val="tx1"/>
-                </a:solidFill>
-                <a:latin typeface="+mn-lt"/>
-                <a:ea typeface="+mn-ea"/>
-                <a:cs typeface="+mn-cs"/>
-              </a:rPr>
-              <a:t>nameservers.  This gives faster results no matter where the queries originate.  </a:t>
-            </a:r>
-          </a:p>
-          <a:p>
-            <a:pPr marL="171450" indent="-171450">
-              <a:buFont typeface="Arial"/>
-              <a:buChar char="•"/>
-            </a:pPr>
-            <a:r>
-              <a:rPr lang="en-US" sz="1200" kern="1200" dirty="0" smtClean="0">
-                <a:solidFill>
-                  <a:schemeClr val="tx1"/>
-                </a:solidFill>
-                <a:latin typeface="+mn-lt"/>
-                <a:ea typeface="+mn-ea"/>
-                <a:cs typeface="+mn-cs"/>
-              </a:rPr>
-              <a:t>If an entire datacenter were to fail, or even if</a:t>
-            </a:r>
-            <a:r>
-              <a:rPr lang="en-US" sz="1200" kern="1200" baseline="0" dirty="0" smtClean="0">
-                <a:solidFill>
-                  <a:schemeClr val="tx1"/>
-                </a:solidFill>
-                <a:latin typeface="+mn-lt"/>
-                <a:ea typeface="+mn-ea"/>
-                <a:cs typeface="+mn-cs"/>
-              </a:rPr>
-              <a:t> </a:t>
-            </a:r>
-            <a:r>
-              <a:rPr lang="en-US" sz="1200" kern="1200" dirty="0" smtClean="0">
-                <a:solidFill>
-                  <a:schemeClr val="tx1"/>
-                </a:solidFill>
-                <a:latin typeface="+mn-lt"/>
-                <a:ea typeface="+mn-ea"/>
-                <a:cs typeface="+mn-cs"/>
-              </a:rPr>
-              <a:t>all of the DNS servers within a specific datacenter were to fail, the</a:t>
-            </a:r>
-            <a:r>
-              <a:rPr lang="en-US" sz="1200" kern="1200" baseline="0" dirty="0" smtClean="0">
-                <a:solidFill>
-                  <a:schemeClr val="tx1"/>
-                </a:solidFill>
-                <a:latin typeface="+mn-lt"/>
-                <a:ea typeface="+mn-ea"/>
-                <a:cs typeface="+mn-cs"/>
-              </a:rPr>
-              <a:t> </a:t>
-            </a:r>
-            <a:r>
-              <a:rPr lang="en-US" sz="1200" kern="1200" dirty="0" smtClean="0">
-                <a:solidFill>
-                  <a:schemeClr val="tx1"/>
-                </a:solidFill>
-                <a:latin typeface="+mn-lt"/>
-                <a:ea typeface="+mn-ea"/>
-                <a:cs typeface="+mn-cs"/>
-              </a:rPr>
-              <a:t>DNS queries will automatically start going to the next best location.</a:t>
-            </a:r>
-          </a:p>
-          <a:p>
-            <a:pPr marL="0" indent="0">
-              <a:buFont typeface="Arial"/>
-              <a:buNone/>
-            </a:pPr>
-            <a:endParaRPr lang="en-US" sz="1200" kern="1200" dirty="0" smtClean="0">
-              <a:solidFill>
-                <a:schemeClr val="tx1"/>
-              </a:solidFill>
-              <a:latin typeface="+mn-lt"/>
-              <a:ea typeface="+mn-ea"/>
-              <a:cs typeface="+mn-cs"/>
-            </a:endParaRPr>
-          </a:p>
-          <a:p>
-            <a:r>
-              <a:rPr lang="en-US" sz="1200" kern="1200" dirty="0" smtClean="0">
-                <a:solidFill>
-                  <a:schemeClr val="tx1"/>
-                </a:solidFill>
-                <a:latin typeface="+mn-lt"/>
-                <a:ea typeface="+mn-ea"/>
-                <a:cs typeface="+mn-cs"/>
-              </a:rPr>
-              <a:t>All of our DNS servers are monitored 24/7, and we receive alerts in our</a:t>
-            </a:r>
-            <a:r>
-              <a:rPr lang="en-US" sz="1200" kern="1200" baseline="0" dirty="0" smtClean="0">
-                <a:solidFill>
-                  <a:schemeClr val="tx1"/>
-                </a:solidFill>
-                <a:latin typeface="+mn-lt"/>
-                <a:ea typeface="+mn-ea"/>
-                <a:cs typeface="+mn-cs"/>
-              </a:rPr>
-              <a:t> </a:t>
-            </a:r>
-            <a:r>
-              <a:rPr lang="en-US" sz="1200" kern="1200" dirty="0" smtClean="0">
-                <a:solidFill>
-                  <a:schemeClr val="tx1"/>
-                </a:solidFill>
-                <a:latin typeface="+mn-lt"/>
-                <a:ea typeface="+mn-ea"/>
-                <a:cs typeface="+mn-cs"/>
-              </a:rPr>
-              <a:t>email and on our phones if anything goes wrong.</a:t>
-            </a:r>
-          </a:p>
-          <a:p>
-            <a:pPr marL="0" indent="0">
-              <a:buFont typeface="Arial"/>
-              <a:buNone/>
-            </a:pPr>
-            <a:endParaRPr lang="en-US" sz="1200" kern="1200" dirty="0" smtClean="0">
-              <a:solidFill>
-                <a:schemeClr val="tx1"/>
-              </a:solidFill>
-              <a:latin typeface="+mn-lt"/>
-              <a:ea typeface="+mn-ea"/>
-              <a:cs typeface="+mn-cs"/>
-            </a:endParaRPr>
-          </a:p>
-          <a:p>
-            <a:pPr marL="0" indent="0">
-              <a:buFont typeface="Arial"/>
-              <a:buNone/>
-            </a:pPr>
-            <a:r>
-              <a:rPr lang="en-US" sz="1200" i="1" kern="1200" dirty="0" smtClean="0">
-                <a:solidFill>
-                  <a:schemeClr val="tx1"/>
-                </a:solidFill>
-                <a:latin typeface="+mn-lt"/>
-                <a:ea typeface="+mn-ea"/>
-                <a:cs typeface="+mn-cs"/>
-              </a:rPr>
-              <a:t>See Jason</a:t>
-            </a:r>
-            <a:r>
-              <a:rPr lang="en-US" sz="1200" i="1" kern="1200" baseline="0" dirty="0" smtClean="0">
-                <a:solidFill>
-                  <a:schemeClr val="tx1"/>
-                </a:solidFill>
-                <a:latin typeface="+mn-lt"/>
-                <a:ea typeface="+mn-ea"/>
-                <a:cs typeface="+mn-cs"/>
-              </a:rPr>
-              <a:t> Bratton for more information on our DNS infrastructure.</a:t>
-            </a:r>
-            <a:endParaRPr lang="en-US" i="1" dirty="0"/>
+            <a:endParaRPr lang="en-US" dirty="0"/>
           </a:p>
         </p:txBody>
       </p:sp>
@@ -2758,7 +1006,7 @@
     </p:spTree>
     <p:extLst>
       <p:ext uri="{BB962C8B-B14F-4D97-AF65-F5344CB8AC3E}">
-        <p14:creationId xmlns:p14="http://schemas.microsoft.com/office/powerpoint/2010/main" val="2751694531"/>
+        <p14:creationId xmlns:p14="http://schemas.microsoft.com/office/powerpoint/2010/main" val="662730505"/>
       </p:ext>
     </p:extLst>
   </p:cSld>
@@ -5863,7 +4111,7 @@
         <p:spPr/>
         <p:txBody>
           <a:bodyPr>
-            <a:normAutofit fontScale="32500" lnSpcReduction="20000"/>
+            <a:normAutofit/>
           </a:bodyPr>
           <a:lstStyle/>
           <a:p>
@@ -5950,242 +4198,6 @@
               <a:rPr lang="en-US" dirty="0" smtClean="0"/>
               <a:t>Some input validation</a:t>
             </a:r>
-          </a:p>
-          <a:p>
-            <a:pPr marL="457200" indent="-457200">
-              <a:buFont typeface="Arial"/>
-              <a:buChar char="•"/>
-            </a:pPr>
-            <a:r>
-              <a:rPr lang="en-US" dirty="0" smtClean="0"/>
-              <a:t>ServiceMix4 (</a:t>
-            </a:r>
-            <a:r>
-              <a:rPr lang="en-US" dirty="0" err="1" smtClean="0"/>
-              <a:t>osgi</a:t>
-            </a:r>
-            <a:r>
-              <a:rPr lang="en-US" dirty="0" smtClean="0"/>
-              <a:t>)</a:t>
-            </a:r>
-          </a:p>
-          <a:p>
-            <a:pPr marL="819150" lvl="1" indent="-457200">
-              <a:buFont typeface="Arial"/>
-              <a:buChar char="•"/>
-            </a:pPr>
-            <a:r>
-              <a:rPr lang="en-US" dirty="0" err="1" smtClean="0"/>
-              <a:t>Classpath</a:t>
-            </a:r>
-            <a:r>
-              <a:rPr lang="en-US" dirty="0" smtClean="0"/>
-              <a:t> resolution and class loading (</a:t>
-            </a:r>
-            <a:r>
-              <a:rPr lang="en-US" dirty="0" err="1" smtClean="0"/>
-              <a:t>osgi</a:t>
-            </a:r>
-            <a:r>
-              <a:rPr lang="en-US" dirty="0" smtClean="0"/>
-              <a:t>)</a:t>
-            </a:r>
-          </a:p>
-          <a:p>
-            <a:pPr marL="819150" lvl="1" indent="-457200">
-              <a:buFont typeface="Arial"/>
-              <a:buChar char="•"/>
-            </a:pPr>
-            <a:r>
-              <a:rPr lang="en-US" dirty="0" smtClean="0"/>
-              <a:t>Module re-use through </a:t>
-            </a:r>
-            <a:r>
-              <a:rPr lang="en-US" dirty="0"/>
-              <a:t>S</a:t>
-            </a:r>
-            <a:r>
-              <a:rPr lang="en-US" dirty="0" smtClean="0"/>
-              <a:t>ervice Registry</a:t>
-            </a:r>
-          </a:p>
-          <a:p>
-            <a:pPr marL="819150" lvl="1" indent="-457200">
-              <a:buFont typeface="Arial"/>
-              <a:buChar char="•"/>
-            </a:pPr>
-            <a:r>
-              <a:rPr lang="en-US" dirty="0" smtClean="0"/>
-              <a:t>(-VE)  Self-contained Integration tests are more challenging to implement than in JBI-based ServceMix3</a:t>
-            </a:r>
-          </a:p>
-          <a:p>
-            <a:pPr marL="457200" indent="-457200">
-              <a:buFont typeface="Arial"/>
-              <a:buChar char="•"/>
-            </a:pPr>
-            <a:r>
-              <a:rPr lang="en-US" dirty="0" smtClean="0"/>
-              <a:t>Spring</a:t>
-            </a:r>
-          </a:p>
-          <a:p>
-            <a:pPr marL="819150" lvl="1" indent="-457200">
-              <a:buFont typeface="Arial"/>
-              <a:buChar char="•"/>
-            </a:pPr>
-            <a:r>
-              <a:rPr lang="en-US" dirty="0" smtClean="0"/>
-              <a:t>Facilitates composition of objects (</a:t>
-            </a:r>
-            <a:r>
-              <a:rPr lang="en-US" dirty="0" err="1" smtClean="0"/>
-              <a:t>IoC</a:t>
-            </a:r>
-            <a:r>
-              <a:rPr lang="en-US" dirty="0" smtClean="0"/>
-              <a:t> injection)</a:t>
-            </a:r>
-            <a:endParaRPr lang="en-US" dirty="0" smtClean="0"/>
-          </a:p>
-          <a:p>
-            <a:pPr marL="457200" indent="-457200">
-              <a:buFont typeface="Arial"/>
-              <a:buChar char="•"/>
-            </a:pPr>
-            <a:r>
-              <a:rPr lang="en-US" dirty="0" smtClean="0"/>
-              <a:t>Dozer</a:t>
-            </a:r>
-          </a:p>
-          <a:p>
-            <a:pPr marL="819150" lvl="1" indent="-457200">
-              <a:buFont typeface="Arial"/>
-              <a:buChar char="•"/>
-            </a:pPr>
-            <a:r>
-              <a:rPr lang="en-US" dirty="0" smtClean="0"/>
-              <a:t>Facilitates mapping objects across application layers</a:t>
-            </a:r>
-          </a:p>
-          <a:p>
-            <a:pPr marL="819150" lvl="1" indent="-457200">
-              <a:buFont typeface="Arial"/>
-              <a:buChar char="•"/>
-            </a:pPr>
-            <a:r>
-              <a:rPr lang="en-US" dirty="0" smtClean="0"/>
-              <a:t>(-VE) Dozer does not yet always play with </a:t>
-            </a:r>
-            <a:r>
-              <a:rPr lang="en-US" dirty="0" err="1" smtClean="0"/>
-              <a:t>osgi</a:t>
-            </a:r>
-            <a:r>
-              <a:rPr lang="en-US" dirty="0" smtClean="0"/>
-              <a:t> class loading; sometimes fails to see mapping file on </a:t>
-            </a:r>
-            <a:r>
-              <a:rPr lang="en-US" dirty="0" err="1" smtClean="0"/>
-              <a:t>classpath</a:t>
-            </a:r>
-            <a:endParaRPr lang="en-US" dirty="0" smtClean="0"/>
-          </a:p>
-          <a:p>
-            <a:pPr marL="1676400" lvl="3" indent="-457200">
-              <a:buFont typeface="Arial"/>
-              <a:buChar char="•"/>
-            </a:pPr>
-            <a:r>
-              <a:rPr lang="en-US" dirty="0" smtClean="0"/>
-              <a:t>Resolved with </a:t>
-            </a:r>
-            <a:r>
-              <a:rPr lang="en-US" i="1" dirty="0" err="1" smtClean="0"/>
-              <a:t>Thread.currentThread.setContextClassloader</a:t>
-            </a:r>
-            <a:r>
-              <a:rPr lang="en-US" i="1" dirty="0" smtClean="0"/>
-              <a:t>(</a:t>
-            </a:r>
-            <a:r>
-              <a:rPr lang="en-US" i="1" dirty="0" err="1" smtClean="0"/>
-              <a:t>get.Class</a:t>
-            </a:r>
-            <a:r>
-              <a:rPr lang="en-US" i="1" dirty="0" smtClean="0"/>
-              <a:t>().</a:t>
-            </a:r>
-            <a:r>
-              <a:rPr lang="en-US" i="1" dirty="0" err="1" smtClean="0"/>
-              <a:t>getClassloader</a:t>
-            </a:r>
-            <a:r>
-              <a:rPr lang="en-US" i="1" dirty="0" smtClean="0"/>
-              <a:t>()); </a:t>
-            </a:r>
-          </a:p>
-          <a:p>
-            <a:pPr marL="1676400" lvl="3" indent="-457200">
-              <a:buFont typeface="Arial"/>
-              <a:buChar char="•"/>
-            </a:pPr>
-            <a:r>
-              <a:rPr lang="en-US" dirty="0" smtClean="0"/>
-              <a:t>Dozer is fixing this issue</a:t>
-            </a:r>
-            <a:endParaRPr lang="en-US" dirty="0" smtClean="0"/>
-          </a:p>
-          <a:p>
-            <a:pPr marL="457200" indent="-457200">
-              <a:buFont typeface="Arial"/>
-              <a:buChar char="•"/>
-            </a:pPr>
-            <a:r>
-              <a:rPr lang="en-US" dirty="0" err="1" smtClean="0"/>
-              <a:t>Mockito</a:t>
-            </a:r>
-            <a:r>
-              <a:rPr lang="en-US" dirty="0" smtClean="0"/>
-              <a:t>/</a:t>
-            </a:r>
-            <a:r>
-              <a:rPr lang="en-US" dirty="0" smtClean="0"/>
-              <a:t>Spring</a:t>
-            </a:r>
-          </a:p>
-          <a:p>
-            <a:pPr marL="819150" lvl="1" indent="-457200">
-              <a:buFont typeface="Arial"/>
-              <a:buChar char="•"/>
-            </a:pPr>
-            <a:r>
-              <a:rPr lang="en-US" dirty="0" smtClean="0"/>
-              <a:t>Helps with stubbing out external services for better unit testing</a:t>
-            </a:r>
-            <a:endParaRPr lang="en-US" dirty="0" smtClean="0"/>
-          </a:p>
-          <a:p>
-            <a:pPr marL="457200" indent="-457200">
-              <a:buFont typeface="Arial"/>
-              <a:buChar char="•"/>
-            </a:pPr>
-            <a:r>
-              <a:rPr lang="en-US" dirty="0" err="1" smtClean="0"/>
-              <a:t>ehCache</a:t>
-            </a:r>
-            <a:endParaRPr lang="en-US" dirty="0" smtClean="0"/>
-          </a:p>
-          <a:p>
-            <a:pPr marL="819150" lvl="1" indent="-457200">
-              <a:buFont typeface="Arial"/>
-              <a:buChar char="•"/>
-            </a:pPr>
-            <a:r>
-              <a:rPr lang="en-US" dirty="0" smtClean="0"/>
-              <a:t>For caching information from external services in order to improve performance</a:t>
-            </a:r>
-            <a:endParaRPr lang="en-US" dirty="0"/>
           </a:p>
           <a:p>
             <a:pPr marL="0" indent="0">
@@ -6270,7 +4282,7 @@
       </p:grpSpPr>
       <p:sp>
         <p:nvSpPr>
-          <p:cNvPr id="5" name="Title 4"/>
+          <p:cNvPr id="2" name="Title 1"/>
           <p:cNvSpPr>
             <a:spLocks noGrp="1"/>
           </p:cNvSpPr>
@@ -6284,12 +4296,12 @@
           <a:lstStyle/>
           <a:p>
             <a:r>
-              <a:rPr lang="en-US" dirty="0" smtClean="0">
-                <a:latin typeface="Calibri" charset="0"/>
-                <a:cs typeface="Calibri" charset="0"/>
-                <a:sym typeface="Calibri" charset="0"/>
-              </a:rPr>
-              <a:t>TECHNOLOGIES EMPLOYED (cont’d)</a:t>
+              <a:rPr lang="en-US" dirty="0" smtClean="0"/>
+              <a:t>TECHNOLOGIES </a:t>
+            </a:r>
+            <a:r>
+              <a:rPr lang="en-US" dirty="0" smtClean="0"/>
+              <a:t>EMPLOYED (cont’d)</a:t>
             </a:r>
             <a:endParaRPr lang="en-US" dirty="0"/>
           </a:p>
@@ -6297,20 +4309,15 @@
       </p:sp>
       <p:sp>
         <p:nvSpPr>
-          <p:cNvPr id="6" name="Content Placeholder 5"/>
+          <p:cNvPr id="3" name="Content Placeholder 2"/>
           <p:cNvSpPr>
             <a:spLocks noGrp="1"/>
           </p:cNvSpPr>
           <p:nvPr>
-            <p:ph sz="half" idx="1"/>
-          </p:nvPr>
-        </p:nvSpPr>
-        <p:spPr>
-          <a:xfrm>
-            <a:off x="457200" y="1598613"/>
-            <a:ext cx="8305800" cy="4527550"/>
-          </a:xfrm>
-        </p:spPr>
+            <p:ph idx="1"/>
+          </p:nvPr>
+        </p:nvSpPr>
+        <p:spPr/>
         <p:txBody>
           <a:bodyPr>
             <a:normAutofit/>
@@ -6320,6 +4327,83 @@
             <a:pPr marL="457200" indent="-457200">
               <a:buFont typeface="Arial"/>
               <a:buChar char="•"/>
+            </a:pPr>
+            <a:r>
+              <a:rPr lang="en-US" dirty="0" smtClean="0"/>
+              <a:t>ServiceMix4 (</a:t>
+            </a:r>
+            <a:r>
+              <a:rPr lang="en-US" dirty="0" err="1" smtClean="0"/>
+              <a:t>osgi</a:t>
+            </a:r>
+            <a:r>
+              <a:rPr lang="en-US" dirty="0" smtClean="0"/>
+              <a:t>)</a:t>
+            </a:r>
+          </a:p>
+          <a:p>
+            <a:pPr marL="819150" lvl="1" indent="-457200">
+              <a:buFont typeface="Arial"/>
+              <a:buChar char="•"/>
+            </a:pPr>
+            <a:r>
+              <a:rPr lang="en-US" dirty="0" err="1" smtClean="0"/>
+              <a:t>Classpath</a:t>
+            </a:r>
+            <a:r>
+              <a:rPr lang="en-US" dirty="0" smtClean="0"/>
+              <a:t> </a:t>
+            </a:r>
+            <a:r>
+              <a:rPr lang="en-US" dirty="0" smtClean="0"/>
+              <a:t>resolution and class loading (</a:t>
+            </a:r>
+            <a:r>
+              <a:rPr lang="en-US" dirty="0" err="1" smtClean="0"/>
+              <a:t>osgi</a:t>
+            </a:r>
+            <a:r>
+              <a:rPr lang="en-US" dirty="0" smtClean="0"/>
+              <a:t>)</a:t>
+            </a:r>
+          </a:p>
+          <a:p>
+            <a:pPr marL="819150" lvl="1" indent="-457200">
+              <a:buFont typeface="Arial"/>
+              <a:buChar char="•"/>
+            </a:pPr>
+            <a:r>
+              <a:rPr lang="en-US" dirty="0" smtClean="0"/>
+              <a:t>Module re-use through </a:t>
+            </a:r>
+            <a:r>
+              <a:rPr lang="en-US" dirty="0"/>
+              <a:t>S</a:t>
+            </a:r>
+            <a:r>
+              <a:rPr lang="en-US" dirty="0" smtClean="0"/>
+              <a:t>ervice Registry</a:t>
+            </a:r>
+          </a:p>
+          <a:p>
+            <a:pPr marL="819150" lvl="1" indent="-457200">
+              <a:buFont typeface="Arial"/>
+              <a:buChar char="•"/>
+            </a:pPr>
+            <a:r>
+              <a:rPr lang="en-US" dirty="0" smtClean="0"/>
+              <a:t>(-VE)  Self-contained Integration tests are more challenging to implement than in JBI-based ServceMix3</a:t>
+            </a:r>
+          </a:p>
+          <a:p>
+            <a:pPr marL="0" indent="0">
+              <a:buNone/>
+            </a:pPr>
+            <a:endParaRPr lang="en-US" dirty="0"/>
+          </a:p>
+          <a:p>
+            <a:pPr marL="0" indent="0">
+              <a:buNone/>
             </a:pPr>
             <a:endParaRPr lang="en-US" dirty="0"/>
           </a:p>
@@ -6357,7 +4441,7 @@
     </p:spTree>
     <p:extLst>
       <p:ext uri="{BB962C8B-B14F-4D97-AF65-F5344CB8AC3E}">
-        <p14:creationId xmlns:p14="http://schemas.microsoft.com/office/powerpoint/2010/main" val="1090119949"/>
+        <p14:creationId xmlns:p14="http://schemas.microsoft.com/office/powerpoint/2010/main" val="1837406928"/>
       </p:ext>
     </p:extLst>
   </p:cSld>
@@ -6394,7 +4478,7 @@
       </p:grpSpPr>
       <p:sp>
         <p:nvSpPr>
-          <p:cNvPr id="5" name="Title 4"/>
+          <p:cNvPr id="2" name="Title 1"/>
           <p:cNvSpPr>
             <a:spLocks noGrp="1"/>
           </p:cNvSpPr>
@@ -6408,12 +4492,12 @@
           <a:lstStyle/>
           <a:p>
             <a:r>
-              <a:rPr lang="en-US" dirty="0" smtClean="0">
-                <a:latin typeface="Calibri" charset="0"/>
-                <a:cs typeface="Calibri" charset="0"/>
-                <a:sym typeface="Calibri" charset="0"/>
-              </a:rPr>
-              <a:t>TECHNOLOGIES EMPLOYED (cont’d)</a:t>
+              <a:rPr lang="en-US" dirty="0" smtClean="0"/>
+              <a:t>TECHNOLOGIES </a:t>
+            </a:r>
+            <a:r>
+              <a:rPr lang="en-US" dirty="0" smtClean="0"/>
+              <a:t>EMPLOYED (cont’d)</a:t>
             </a:r>
             <a:endParaRPr lang="en-US" dirty="0"/>
           </a:p>
@@ -6421,29 +4505,145 @@
       </p:sp>
       <p:sp>
         <p:nvSpPr>
-          <p:cNvPr id="6" name="Content Placeholder 5"/>
+          <p:cNvPr id="3" name="Content Placeholder 2"/>
           <p:cNvSpPr>
             <a:spLocks noGrp="1"/>
           </p:cNvSpPr>
           <p:nvPr>
-            <p:ph sz="half" idx="1"/>
-          </p:nvPr>
-        </p:nvSpPr>
-        <p:spPr>
-          <a:xfrm>
-            <a:off x="457200" y="1598613"/>
-            <a:ext cx="8305800" cy="4527550"/>
-          </a:xfrm>
-        </p:spPr>
+            <p:ph idx="1"/>
+          </p:nvPr>
+        </p:nvSpPr>
+        <p:spPr/>
         <p:txBody>
           <a:bodyPr>
-            <a:normAutofit/>
+            <a:normAutofit fontScale="92500"/>
           </a:bodyPr>
           <a:lstStyle/>
           <a:p>
             <a:pPr marL="457200" indent="-457200">
               <a:buFont typeface="Arial"/>
               <a:buChar char="•"/>
+            </a:pPr>
+            <a:r>
+              <a:rPr lang="en-US" dirty="0" smtClean="0"/>
+              <a:t>Spring</a:t>
+            </a:r>
+            <a:endParaRPr lang="en-US" dirty="0" smtClean="0"/>
+          </a:p>
+          <a:p>
+            <a:pPr marL="819150" lvl="1" indent="-457200">
+              <a:buFont typeface="Arial"/>
+              <a:buChar char="•"/>
+            </a:pPr>
+            <a:r>
+              <a:rPr lang="en-US" dirty="0" smtClean="0"/>
+              <a:t>Facilitates composition of objects (</a:t>
+            </a:r>
+            <a:r>
+              <a:rPr lang="en-US" dirty="0" err="1" smtClean="0"/>
+              <a:t>IoC</a:t>
+            </a:r>
+            <a:r>
+              <a:rPr lang="en-US" dirty="0" smtClean="0"/>
+              <a:t> injection)</a:t>
+            </a:r>
+          </a:p>
+          <a:p>
+            <a:pPr marL="457200" indent="-457200">
+              <a:buFont typeface="Arial"/>
+              <a:buChar char="•"/>
+            </a:pPr>
+            <a:r>
+              <a:rPr lang="en-US" dirty="0" smtClean="0"/>
+              <a:t>Dozer</a:t>
+            </a:r>
+          </a:p>
+          <a:p>
+            <a:pPr marL="819150" lvl="1" indent="-457200">
+              <a:buFont typeface="Arial"/>
+              <a:buChar char="•"/>
+            </a:pPr>
+            <a:r>
+              <a:rPr lang="en-US" dirty="0" smtClean="0"/>
+              <a:t>Facilitates mapping objects across application layers</a:t>
+            </a:r>
+          </a:p>
+          <a:p>
+            <a:pPr marL="819150" lvl="1" indent="-457200">
+              <a:buFont typeface="Arial"/>
+              <a:buChar char="•"/>
+            </a:pPr>
+            <a:r>
+              <a:rPr lang="en-US" dirty="0" smtClean="0"/>
+              <a:t>(-VE) Dozer does not yet always play with </a:t>
+            </a:r>
+            <a:r>
+              <a:rPr lang="en-US" dirty="0" err="1" smtClean="0"/>
+              <a:t>osgi</a:t>
+            </a:r>
+            <a:r>
+              <a:rPr lang="en-US" dirty="0" smtClean="0"/>
+              <a:t> class loading; sometimes fails to see mapping file on </a:t>
+            </a:r>
+            <a:r>
+              <a:rPr lang="en-US" dirty="0" err="1" smtClean="0"/>
+              <a:t>classpath</a:t>
+            </a:r>
+            <a:endParaRPr lang="en-US" dirty="0" smtClean="0"/>
+          </a:p>
+          <a:p>
+            <a:pPr marL="1676400" lvl="3" indent="-457200">
+              <a:buFont typeface="Arial"/>
+              <a:buChar char="•"/>
+            </a:pPr>
+            <a:r>
+              <a:rPr lang="en-US" dirty="0" smtClean="0"/>
+              <a:t>Resolved with </a:t>
+            </a:r>
+            <a:r>
+              <a:rPr lang="en-US" i="1" dirty="0" err="1" smtClean="0"/>
+              <a:t>Thread.currentThread.setContextClassloader</a:t>
+            </a:r>
+            <a:r>
+              <a:rPr lang="en-US" i="1" dirty="0" smtClean="0"/>
+              <a:t>(</a:t>
+            </a:r>
+            <a:r>
+              <a:rPr lang="en-US" i="1" dirty="0" err="1" smtClean="0"/>
+              <a:t>get.Class</a:t>
+            </a:r>
+            <a:r>
+              <a:rPr lang="en-US" i="1" dirty="0" smtClean="0"/>
+              <a:t>().</a:t>
+            </a:r>
+            <a:r>
+              <a:rPr lang="en-US" i="1" dirty="0" err="1" smtClean="0"/>
+              <a:t>getClassloader</a:t>
+            </a:r>
+            <a:r>
+              <a:rPr lang="en-US" i="1" dirty="0" smtClean="0"/>
+              <a:t>()); </a:t>
+            </a:r>
+          </a:p>
+          <a:p>
+            <a:pPr marL="1676400" lvl="3" indent="-457200">
+              <a:buFont typeface="Arial"/>
+              <a:buChar char="•"/>
+            </a:pPr>
+            <a:r>
+              <a:rPr lang="en-US" dirty="0" smtClean="0"/>
+              <a:t>Dozer is fixing this issue</a:t>
+            </a:r>
+          </a:p>
+          <a:p>
+            <a:pPr marL="0" indent="0">
+              <a:buNone/>
+            </a:pPr>
+            <a:endParaRPr lang="en-US" dirty="0"/>
+          </a:p>
+          <a:p>
+            <a:pPr marL="0" indent="0">
+              <a:buNone/>
             </a:pPr>
             <a:endParaRPr lang="en-US" dirty="0"/>
           </a:p>
@@ -6481,7 +4681,7 @@
     </p:spTree>
     <p:extLst>
       <p:ext uri="{BB962C8B-B14F-4D97-AF65-F5344CB8AC3E}">
-        <p14:creationId xmlns:p14="http://schemas.microsoft.com/office/powerpoint/2010/main" val="1641309445"/>
+        <p14:creationId xmlns:p14="http://schemas.microsoft.com/office/powerpoint/2010/main" val="4157382427"/>
       </p:ext>
     </p:extLst>
   </p:cSld>
@@ -6518,7 +4718,7 @@
       </p:grpSpPr>
       <p:sp>
         <p:nvSpPr>
-          <p:cNvPr id="5" name="Title 4"/>
+          <p:cNvPr id="2" name="Title 1"/>
           <p:cNvSpPr>
             <a:spLocks noGrp="1"/>
           </p:cNvSpPr>
@@ -6532,12 +4732,12 @@
           <a:lstStyle/>
           <a:p>
             <a:r>
-              <a:rPr lang="en-US" dirty="0" smtClean="0">
-                <a:latin typeface="Calibri" charset="0"/>
-                <a:cs typeface="Calibri" charset="0"/>
-                <a:sym typeface="Calibri" charset="0"/>
-              </a:rPr>
-              <a:t>TECHNOLOGIES EMPLOYED (cont’d)</a:t>
+              <a:rPr lang="en-US" dirty="0" smtClean="0"/>
+              <a:t>TECHNOLOGIES </a:t>
+            </a:r>
+            <a:r>
+              <a:rPr lang="en-US" dirty="0" smtClean="0"/>
+              <a:t>EMPLOYED (cont’d)</a:t>
             </a:r>
             <a:endParaRPr lang="en-US" dirty="0"/>
           </a:p>
@@ -6545,20 +4745,15 @@
       </p:sp>
       <p:sp>
         <p:nvSpPr>
-          <p:cNvPr id="6" name="Content Placeholder 5"/>
+          <p:cNvPr id="3" name="Content Placeholder 2"/>
           <p:cNvSpPr>
             <a:spLocks noGrp="1"/>
           </p:cNvSpPr>
           <p:nvPr>
-            <p:ph sz="half" idx="1"/>
-          </p:nvPr>
-        </p:nvSpPr>
-        <p:spPr>
-          <a:xfrm>
-            <a:off x="457200" y="1598613"/>
-            <a:ext cx="8305800" cy="4527550"/>
-          </a:xfrm>
-        </p:spPr>
+            <p:ph idx="1"/>
+          </p:nvPr>
+        </p:nvSpPr>
+        <p:spPr/>
         <p:txBody>
           <a:bodyPr>
             <a:normAutofit/>
@@ -6568,6 +4763,57 @@
             <a:pPr marL="457200" indent="-457200">
               <a:buFont typeface="Arial"/>
               <a:buChar char="•"/>
+            </a:pPr>
+            <a:r>
+              <a:rPr lang="en-US" dirty="0" err="1" smtClean="0"/>
+              <a:t>Mockito</a:t>
+            </a:r>
+            <a:r>
+              <a:rPr lang="en-US" dirty="0" smtClean="0"/>
+              <a:t>/Spring</a:t>
+            </a:r>
+          </a:p>
+          <a:p>
+            <a:pPr marL="819150" lvl="1" indent="-457200">
+              <a:buFont typeface="Arial"/>
+              <a:buChar char="•"/>
+            </a:pPr>
+            <a:r>
+              <a:rPr lang="en-US" dirty="0" smtClean="0"/>
+              <a:t>Helps with stubbing out external services for better unit testing</a:t>
+            </a:r>
+          </a:p>
+          <a:p>
+            <a:pPr marL="457200" indent="-457200">
+              <a:buFont typeface="Arial"/>
+              <a:buChar char="•"/>
+            </a:pPr>
+            <a:r>
+              <a:rPr lang="en-US" dirty="0" err="1" smtClean="0"/>
+              <a:t>ehCache</a:t>
+            </a:r>
+            <a:endParaRPr lang="en-US" dirty="0" smtClean="0"/>
+          </a:p>
+          <a:p>
+            <a:pPr marL="819150" lvl="1" indent="-457200">
+              <a:buFont typeface="Arial"/>
+              <a:buChar char="•"/>
+            </a:pPr>
+            <a:r>
+              <a:rPr lang="en-US" dirty="0" smtClean="0"/>
+              <a:t>For caching information from external services in order to improve performance</a:t>
+            </a:r>
+            <a:endParaRPr lang="en-US" dirty="0"/>
+          </a:p>
+          <a:p>
+            <a:pPr marL="0" indent="0">
+              <a:buNone/>
+            </a:pPr>
+            <a:endParaRPr lang="en-US" dirty="0"/>
+          </a:p>
+          <a:p>
+            <a:pPr marL="0" indent="0">
+              <a:buNone/>
             </a:pPr>
             <a:endParaRPr lang="en-US" dirty="0"/>
           </a:p>
@@ -6605,7 +4851,7 @@
     </p:spTree>
     <p:extLst>
       <p:ext uri="{BB962C8B-B14F-4D97-AF65-F5344CB8AC3E}">
-        <p14:creationId xmlns:p14="http://schemas.microsoft.com/office/powerpoint/2010/main" val="3519816249"/>
+        <p14:creationId xmlns:p14="http://schemas.microsoft.com/office/powerpoint/2010/main" val="20480634"/>
       </p:ext>
     </p:extLst>
   </p:cSld>
